--- a/docs/Teaching/PPTX/FCC Chem 3A Expt 9a Solutions and Dilutions.pptx
+++ b/docs/Teaching/PPTX/FCC Chem 3A Expt 9a Solutions and Dilutions.pptx
@@ -5,7 +5,7 @@
     <p:sldMasterId id="2147483803" r:id="rId1"/>
   </p:sldMasterIdLst>
   <p:notesMasterIdLst>
-    <p:notesMasterId r:id="rId17"/>
+    <p:notesMasterId r:id="rId23"/>
   </p:notesMasterIdLst>
   <p:sldIdLst>
     <p:sldId id="608" r:id="rId2"/>
@@ -23,6 +23,12 @@
     <p:sldId id="629" r:id="rId14"/>
     <p:sldId id="630" r:id="rId15"/>
     <p:sldId id="631" r:id="rId16"/>
+    <p:sldId id="632" r:id="rId17"/>
+    <p:sldId id="633" r:id="rId18"/>
+    <p:sldId id="634" r:id="rId19"/>
+    <p:sldId id="635" r:id="rId20"/>
+    <p:sldId id="636" r:id="rId21"/>
+    <p:sldId id="637" r:id="rId22"/>
   </p:sldIdLst>
   <p:sldSz cx="9144000" cy="6858000" type="screen4x3"/>
   <p:notesSz cx="7315200" cy="9601200"/>
@@ -10702,8 +10708,325 @@
           <a:prstGeom prst="rect">
             <a:avLst/>
           </a:prstGeom>
+          <a:ln>
+            <a:solidFill>
+              <a:schemeClr val="bg1"/>
+            </a:solidFill>
+          </a:ln>
         </p:spPr>
       </p:pic>
+      <p:sp>
+        <p:nvSpPr>
+          <p:cNvPr id="3" name="Rectangle 2">
+            <a:extLst>
+              <a:ext uri="{FF2B5EF4-FFF2-40B4-BE49-F238E27FC236}">
+                <a16:creationId xmlns:a16="http://schemas.microsoft.com/office/drawing/2014/main" id="{D39FA19C-6D73-C3A3-5797-81B037D59B22}"/>
+              </a:ext>
+            </a:extLst>
+          </p:cNvPr>
+          <p:cNvSpPr/>
+          <p:nvPr/>
+        </p:nvSpPr>
+        <p:spPr>
+          <a:xfrm>
+            <a:off x="6326955" y="3208565"/>
+            <a:ext cx="1173180" cy="220435"/>
+          </a:xfrm>
+          <a:prstGeom prst="rect">
+            <a:avLst/>
+          </a:prstGeom>
+          <a:solidFill>
+            <a:schemeClr val="bg1"/>
+          </a:solidFill>
+          <a:ln>
+            <a:noFill/>
+          </a:ln>
+        </p:spPr>
+        <p:style>
+          <a:lnRef idx="2">
+            <a:schemeClr val="accent1">
+              <a:shade val="15000"/>
+            </a:schemeClr>
+          </a:lnRef>
+          <a:fillRef idx="1">
+            <a:schemeClr val="accent1"/>
+          </a:fillRef>
+          <a:effectRef idx="0">
+            <a:schemeClr val="accent1"/>
+          </a:effectRef>
+          <a:fontRef idx="minor">
+            <a:schemeClr val="lt1"/>
+          </a:fontRef>
+        </p:style>
+        <p:txBody>
+          <a:bodyPr rtlCol="0" anchor="ctr"/>
+          <a:lstStyle/>
+          <a:p>
+            <a:pPr algn="ctr"/>
+            <a:endParaRPr lang="en-US"/>
+          </a:p>
+        </p:txBody>
+      </p:sp>
+      <p:sp>
+        <p:nvSpPr>
+          <p:cNvPr id="4" name="Rectangle 3">
+            <a:extLst>
+              <a:ext uri="{FF2B5EF4-FFF2-40B4-BE49-F238E27FC236}">
+                <a16:creationId xmlns:a16="http://schemas.microsoft.com/office/drawing/2014/main" id="{D9BF8EE6-9126-4B64-9413-D609CB2BA4B8}"/>
+              </a:ext>
+            </a:extLst>
+          </p:cNvPr>
+          <p:cNvSpPr/>
+          <p:nvPr/>
+        </p:nvSpPr>
+        <p:spPr>
+          <a:xfrm>
+            <a:off x="6326955" y="3639792"/>
+            <a:ext cx="1173180" cy="220435"/>
+          </a:xfrm>
+          <a:prstGeom prst="rect">
+            <a:avLst/>
+          </a:prstGeom>
+          <a:solidFill>
+            <a:schemeClr val="bg1"/>
+          </a:solidFill>
+          <a:ln>
+            <a:noFill/>
+          </a:ln>
+        </p:spPr>
+        <p:style>
+          <a:lnRef idx="2">
+            <a:schemeClr val="accent1">
+              <a:shade val="15000"/>
+            </a:schemeClr>
+          </a:lnRef>
+          <a:fillRef idx="1">
+            <a:schemeClr val="accent1"/>
+          </a:fillRef>
+          <a:effectRef idx="0">
+            <a:schemeClr val="accent1"/>
+          </a:effectRef>
+          <a:fontRef idx="minor">
+            <a:schemeClr val="lt1"/>
+          </a:fontRef>
+        </p:style>
+        <p:txBody>
+          <a:bodyPr rtlCol="0" anchor="ctr"/>
+          <a:lstStyle/>
+          <a:p>
+            <a:pPr algn="ctr"/>
+            <a:endParaRPr lang="en-US"/>
+          </a:p>
+        </p:txBody>
+      </p:sp>
+      <p:sp>
+        <p:nvSpPr>
+          <p:cNvPr id="5" name="Rectangle 4">
+            <a:extLst>
+              <a:ext uri="{FF2B5EF4-FFF2-40B4-BE49-F238E27FC236}">
+                <a16:creationId xmlns:a16="http://schemas.microsoft.com/office/drawing/2014/main" id="{F754C8B3-D8E5-0507-CB60-4F36F56E8F5E}"/>
+              </a:ext>
+            </a:extLst>
+          </p:cNvPr>
+          <p:cNvSpPr/>
+          <p:nvPr/>
+        </p:nvSpPr>
+        <p:spPr>
+          <a:xfrm>
+            <a:off x="6326955" y="4040138"/>
+            <a:ext cx="1173180" cy="220435"/>
+          </a:xfrm>
+          <a:prstGeom prst="rect">
+            <a:avLst/>
+          </a:prstGeom>
+          <a:solidFill>
+            <a:schemeClr val="bg1"/>
+          </a:solidFill>
+          <a:ln>
+            <a:noFill/>
+          </a:ln>
+        </p:spPr>
+        <p:style>
+          <a:lnRef idx="2">
+            <a:schemeClr val="accent1">
+              <a:shade val="15000"/>
+            </a:schemeClr>
+          </a:lnRef>
+          <a:fillRef idx="1">
+            <a:schemeClr val="accent1"/>
+          </a:fillRef>
+          <a:effectRef idx="0">
+            <a:schemeClr val="accent1"/>
+          </a:effectRef>
+          <a:fontRef idx="minor">
+            <a:schemeClr val="lt1"/>
+          </a:fontRef>
+        </p:style>
+        <p:txBody>
+          <a:bodyPr rtlCol="0" anchor="ctr"/>
+          <a:lstStyle/>
+          <a:p>
+            <a:pPr algn="ctr"/>
+            <a:endParaRPr lang="en-US"/>
+          </a:p>
+        </p:txBody>
+      </p:sp>
+      <p:sp>
+        <p:nvSpPr>
+          <p:cNvPr id="8" name="Rectangle 7">
+            <a:extLst>
+              <a:ext uri="{FF2B5EF4-FFF2-40B4-BE49-F238E27FC236}">
+                <a16:creationId xmlns:a16="http://schemas.microsoft.com/office/drawing/2014/main" id="{78D4BDA7-59EF-FEC9-5621-ED850495DE0B}"/>
+              </a:ext>
+            </a:extLst>
+          </p:cNvPr>
+          <p:cNvSpPr/>
+          <p:nvPr/>
+        </p:nvSpPr>
+        <p:spPr>
+          <a:xfrm>
+            <a:off x="6398874" y="5090630"/>
+            <a:ext cx="1173180" cy="220435"/>
+          </a:xfrm>
+          <a:prstGeom prst="rect">
+            <a:avLst/>
+          </a:prstGeom>
+          <a:solidFill>
+            <a:schemeClr val="bg1"/>
+          </a:solidFill>
+          <a:ln>
+            <a:noFill/>
+          </a:ln>
+        </p:spPr>
+        <p:style>
+          <a:lnRef idx="2">
+            <a:schemeClr val="accent1">
+              <a:shade val="15000"/>
+            </a:schemeClr>
+          </a:lnRef>
+          <a:fillRef idx="1">
+            <a:schemeClr val="accent1"/>
+          </a:fillRef>
+          <a:effectRef idx="0">
+            <a:schemeClr val="accent1"/>
+          </a:effectRef>
+          <a:fontRef idx="minor">
+            <a:schemeClr val="lt1"/>
+          </a:fontRef>
+        </p:style>
+        <p:txBody>
+          <a:bodyPr rtlCol="0" anchor="ctr"/>
+          <a:lstStyle/>
+          <a:p>
+            <a:pPr algn="ctr"/>
+            <a:endParaRPr lang="en-US"/>
+          </a:p>
+        </p:txBody>
+      </p:sp>
+      <p:sp>
+        <p:nvSpPr>
+          <p:cNvPr id="9" name="Rectangle 8">
+            <a:extLst>
+              <a:ext uri="{FF2B5EF4-FFF2-40B4-BE49-F238E27FC236}">
+                <a16:creationId xmlns:a16="http://schemas.microsoft.com/office/drawing/2014/main" id="{50D20725-0553-F64C-AD94-011369DCA799}"/>
+              </a:ext>
+            </a:extLst>
+          </p:cNvPr>
+          <p:cNvSpPr/>
+          <p:nvPr/>
+        </p:nvSpPr>
+        <p:spPr>
+          <a:xfrm>
+            <a:off x="6368051" y="5532072"/>
+            <a:ext cx="1173180" cy="220435"/>
+          </a:xfrm>
+          <a:prstGeom prst="rect">
+            <a:avLst/>
+          </a:prstGeom>
+          <a:solidFill>
+            <a:schemeClr val="bg1"/>
+          </a:solidFill>
+          <a:ln>
+            <a:noFill/>
+          </a:ln>
+        </p:spPr>
+        <p:style>
+          <a:lnRef idx="2">
+            <a:schemeClr val="accent1">
+              <a:shade val="15000"/>
+            </a:schemeClr>
+          </a:lnRef>
+          <a:fillRef idx="1">
+            <a:schemeClr val="accent1"/>
+          </a:fillRef>
+          <a:effectRef idx="0">
+            <a:schemeClr val="accent1"/>
+          </a:effectRef>
+          <a:fontRef idx="minor">
+            <a:schemeClr val="lt1"/>
+          </a:fontRef>
+        </p:style>
+        <p:txBody>
+          <a:bodyPr rtlCol="0" anchor="ctr"/>
+          <a:lstStyle/>
+          <a:p>
+            <a:pPr algn="ctr"/>
+            <a:endParaRPr lang="en-US"/>
+          </a:p>
+        </p:txBody>
+      </p:sp>
+      <p:sp>
+        <p:nvSpPr>
+          <p:cNvPr id="10" name="Rectangle 9">
+            <a:extLst>
+              <a:ext uri="{FF2B5EF4-FFF2-40B4-BE49-F238E27FC236}">
+                <a16:creationId xmlns:a16="http://schemas.microsoft.com/office/drawing/2014/main" id="{F259AD75-5449-CA65-63B6-E0B462A0A5F5}"/>
+              </a:ext>
+            </a:extLst>
+          </p:cNvPr>
+          <p:cNvSpPr/>
+          <p:nvPr/>
+        </p:nvSpPr>
+        <p:spPr>
+          <a:xfrm>
+            <a:off x="6398874" y="5970288"/>
+            <a:ext cx="1173180" cy="220435"/>
+          </a:xfrm>
+          <a:prstGeom prst="rect">
+            <a:avLst/>
+          </a:prstGeom>
+          <a:solidFill>
+            <a:schemeClr val="bg1"/>
+          </a:solidFill>
+          <a:ln>
+            <a:noFill/>
+          </a:ln>
+        </p:spPr>
+        <p:style>
+          <a:lnRef idx="2">
+            <a:schemeClr val="accent1">
+              <a:shade val="15000"/>
+            </a:schemeClr>
+          </a:lnRef>
+          <a:fillRef idx="1">
+            <a:schemeClr val="accent1"/>
+          </a:fillRef>
+          <a:effectRef idx="0">
+            <a:schemeClr val="accent1"/>
+          </a:effectRef>
+          <a:fontRef idx="minor">
+            <a:schemeClr val="lt1"/>
+          </a:fontRef>
+        </p:style>
+        <p:txBody>
+          <a:bodyPr rtlCol="0" anchor="ctr"/>
+          <a:lstStyle/>
+          <a:p>
+            <a:pPr algn="ctr"/>
+            <a:endParaRPr lang="en-US"/>
+          </a:p>
+        </p:txBody>
+      </p:sp>
     </p:spTree>
     <p:extLst>
       <p:ext uri="{BB962C8B-B14F-4D97-AF65-F5344CB8AC3E}">
@@ -10813,6 +11136,162 @@
           <a:effectLst/>
         </p:spPr>
       </p:pic>
+      <p:sp>
+        <p:nvSpPr>
+          <p:cNvPr id="3" name="Rectangle 2">
+            <a:extLst>
+              <a:ext uri="{FF2B5EF4-FFF2-40B4-BE49-F238E27FC236}">
+                <a16:creationId xmlns:a16="http://schemas.microsoft.com/office/drawing/2014/main" id="{C50DFD00-CB6B-9DA0-15E6-2EFAD2E9E581}"/>
+              </a:ext>
+            </a:extLst>
+          </p:cNvPr>
+          <p:cNvSpPr/>
+          <p:nvPr/>
+        </p:nvSpPr>
+        <p:spPr>
+          <a:xfrm>
+            <a:off x="1189875" y="2417455"/>
+            <a:ext cx="4491733" cy="469583"/>
+          </a:xfrm>
+          <a:prstGeom prst="rect">
+            <a:avLst/>
+          </a:prstGeom>
+          <a:solidFill>
+            <a:schemeClr val="bg1"/>
+          </a:solidFill>
+          <a:ln>
+            <a:noFill/>
+          </a:ln>
+        </p:spPr>
+        <p:style>
+          <a:lnRef idx="2">
+            <a:schemeClr val="accent1">
+              <a:shade val="15000"/>
+            </a:schemeClr>
+          </a:lnRef>
+          <a:fillRef idx="1">
+            <a:schemeClr val="accent1"/>
+          </a:fillRef>
+          <a:effectRef idx="0">
+            <a:schemeClr val="accent1"/>
+          </a:effectRef>
+          <a:fontRef idx="minor">
+            <a:schemeClr val="lt1"/>
+          </a:fontRef>
+        </p:style>
+        <p:txBody>
+          <a:bodyPr rtlCol="0" anchor="ctr"/>
+          <a:lstStyle/>
+          <a:p>
+            <a:pPr algn="ctr"/>
+            <a:endParaRPr lang="en-US"/>
+          </a:p>
+        </p:txBody>
+      </p:sp>
+      <p:sp>
+        <p:nvSpPr>
+          <p:cNvPr id="5" name="Rectangle 4">
+            <a:extLst>
+              <a:ext uri="{FF2B5EF4-FFF2-40B4-BE49-F238E27FC236}">
+                <a16:creationId xmlns:a16="http://schemas.microsoft.com/office/drawing/2014/main" id="{5013FF72-A02D-3A49-832B-03845AD5A4CE}"/>
+              </a:ext>
+            </a:extLst>
+          </p:cNvPr>
+          <p:cNvSpPr/>
+          <p:nvPr/>
+        </p:nvSpPr>
+        <p:spPr>
+          <a:xfrm>
+            <a:off x="1189875" y="3501380"/>
+            <a:ext cx="4491733" cy="469583"/>
+          </a:xfrm>
+          <a:prstGeom prst="rect">
+            <a:avLst/>
+          </a:prstGeom>
+          <a:solidFill>
+            <a:schemeClr val="bg1"/>
+          </a:solidFill>
+          <a:ln>
+            <a:noFill/>
+          </a:ln>
+        </p:spPr>
+        <p:style>
+          <a:lnRef idx="2">
+            <a:schemeClr val="accent1">
+              <a:shade val="15000"/>
+            </a:schemeClr>
+          </a:lnRef>
+          <a:fillRef idx="1">
+            <a:schemeClr val="accent1"/>
+          </a:fillRef>
+          <a:effectRef idx="0">
+            <a:schemeClr val="accent1"/>
+          </a:effectRef>
+          <a:fontRef idx="minor">
+            <a:schemeClr val="lt1"/>
+          </a:fontRef>
+        </p:style>
+        <p:txBody>
+          <a:bodyPr rtlCol="0" anchor="ctr"/>
+          <a:lstStyle/>
+          <a:p>
+            <a:pPr algn="ctr"/>
+            <a:endParaRPr lang="en-US"/>
+          </a:p>
+        </p:txBody>
+      </p:sp>
+      <p:sp>
+        <p:nvSpPr>
+          <p:cNvPr id="6" name="Rectangle 5">
+            <a:extLst>
+              <a:ext uri="{FF2B5EF4-FFF2-40B4-BE49-F238E27FC236}">
+                <a16:creationId xmlns:a16="http://schemas.microsoft.com/office/drawing/2014/main" id="{12A8AB70-2DBB-5737-9FDF-118766AC1067}"/>
+              </a:ext>
+            </a:extLst>
+          </p:cNvPr>
+          <p:cNvSpPr/>
+          <p:nvPr/>
+        </p:nvSpPr>
+        <p:spPr>
+          <a:xfrm>
+            <a:off x="1189875" y="4550457"/>
+            <a:ext cx="4491733" cy="469583"/>
+          </a:xfrm>
+          <a:prstGeom prst="rect">
+            <a:avLst/>
+          </a:prstGeom>
+          <a:solidFill>
+            <a:schemeClr val="bg1"/>
+          </a:solidFill>
+          <a:ln>
+            <a:noFill/>
+          </a:ln>
+        </p:spPr>
+        <p:style>
+          <a:lnRef idx="2">
+            <a:schemeClr val="accent1">
+              <a:shade val="15000"/>
+            </a:schemeClr>
+          </a:lnRef>
+          <a:fillRef idx="1">
+            <a:schemeClr val="accent1"/>
+          </a:fillRef>
+          <a:effectRef idx="0">
+            <a:schemeClr val="accent1"/>
+          </a:effectRef>
+          <a:fontRef idx="minor">
+            <a:schemeClr val="lt1"/>
+          </a:fontRef>
+        </p:style>
+        <p:txBody>
+          <a:bodyPr rtlCol="0" anchor="ctr"/>
+          <a:lstStyle/>
+          <a:p>
+            <a:pPr algn="ctr"/>
+            <a:endParaRPr lang="en-US"/>
+          </a:p>
+        </p:txBody>
+      </p:sp>
     </p:spTree>
     <p:extLst>
       <p:ext uri="{BB962C8B-B14F-4D97-AF65-F5344CB8AC3E}">
@@ -10937,6 +11416,370 @@
           </a:prstGeom>
         </p:spPr>
       </p:pic>
+      <p:sp>
+        <p:nvSpPr>
+          <p:cNvPr id="3" name="Rectangle 2">
+            <a:extLst>
+              <a:ext uri="{FF2B5EF4-FFF2-40B4-BE49-F238E27FC236}">
+                <a16:creationId xmlns:a16="http://schemas.microsoft.com/office/drawing/2014/main" id="{0C231F63-9116-EB35-5A9F-FD84AEE309E7}"/>
+              </a:ext>
+            </a:extLst>
+          </p:cNvPr>
+          <p:cNvSpPr/>
+          <p:nvPr/>
+        </p:nvSpPr>
+        <p:spPr>
+          <a:xfrm>
+            <a:off x="1405633" y="1407560"/>
+            <a:ext cx="5981486" cy="780836"/>
+          </a:xfrm>
+          <a:prstGeom prst="rect">
+            <a:avLst/>
+          </a:prstGeom>
+          <a:solidFill>
+            <a:schemeClr val="bg1"/>
+          </a:solidFill>
+          <a:ln>
+            <a:noFill/>
+          </a:ln>
+        </p:spPr>
+        <p:style>
+          <a:lnRef idx="2">
+            <a:schemeClr val="accent1">
+              <a:shade val="15000"/>
+            </a:schemeClr>
+          </a:lnRef>
+          <a:fillRef idx="1">
+            <a:schemeClr val="accent1"/>
+          </a:fillRef>
+          <a:effectRef idx="0">
+            <a:schemeClr val="accent1"/>
+          </a:effectRef>
+          <a:fontRef idx="minor">
+            <a:schemeClr val="lt1"/>
+          </a:fontRef>
+        </p:style>
+        <p:txBody>
+          <a:bodyPr rtlCol="0" anchor="ctr"/>
+          <a:lstStyle/>
+          <a:p>
+            <a:pPr algn="ctr"/>
+            <a:endParaRPr lang="en-US"/>
+          </a:p>
+        </p:txBody>
+      </p:sp>
+      <p:sp>
+        <p:nvSpPr>
+          <p:cNvPr id="4" name="Rectangle 3">
+            <a:extLst>
+              <a:ext uri="{FF2B5EF4-FFF2-40B4-BE49-F238E27FC236}">
+                <a16:creationId xmlns:a16="http://schemas.microsoft.com/office/drawing/2014/main" id="{F8271676-191C-4C62-D632-2E4084B2378B}"/>
+              </a:ext>
+            </a:extLst>
+          </p:cNvPr>
+          <p:cNvSpPr/>
+          <p:nvPr/>
+        </p:nvSpPr>
+        <p:spPr>
+          <a:xfrm>
+            <a:off x="1405633" y="2572694"/>
+            <a:ext cx="5981486" cy="694488"/>
+          </a:xfrm>
+          <a:prstGeom prst="rect">
+            <a:avLst/>
+          </a:prstGeom>
+          <a:solidFill>
+            <a:schemeClr val="bg1"/>
+          </a:solidFill>
+          <a:ln>
+            <a:noFill/>
+          </a:ln>
+        </p:spPr>
+        <p:style>
+          <a:lnRef idx="2">
+            <a:schemeClr val="accent1">
+              <a:shade val="15000"/>
+            </a:schemeClr>
+          </a:lnRef>
+          <a:fillRef idx="1">
+            <a:schemeClr val="accent1"/>
+          </a:fillRef>
+          <a:effectRef idx="0">
+            <a:schemeClr val="accent1"/>
+          </a:effectRef>
+          <a:fontRef idx="minor">
+            <a:schemeClr val="lt1"/>
+          </a:fontRef>
+        </p:style>
+        <p:txBody>
+          <a:bodyPr rtlCol="0" anchor="ctr"/>
+          <a:lstStyle/>
+          <a:p>
+            <a:pPr algn="ctr"/>
+            <a:endParaRPr lang="en-US"/>
+          </a:p>
+        </p:txBody>
+      </p:sp>
+      <p:sp>
+        <p:nvSpPr>
+          <p:cNvPr id="6" name="Rectangle 5">
+            <a:extLst>
+              <a:ext uri="{FF2B5EF4-FFF2-40B4-BE49-F238E27FC236}">
+                <a16:creationId xmlns:a16="http://schemas.microsoft.com/office/drawing/2014/main" id="{C00AE585-AA22-1826-40DE-A1D45A5CECD1}"/>
+              </a:ext>
+            </a:extLst>
+          </p:cNvPr>
+          <p:cNvSpPr/>
+          <p:nvPr/>
+        </p:nvSpPr>
+        <p:spPr>
+          <a:xfrm>
+            <a:off x="1405633" y="3646806"/>
+            <a:ext cx="5981486" cy="780836"/>
+          </a:xfrm>
+          <a:prstGeom prst="rect">
+            <a:avLst/>
+          </a:prstGeom>
+          <a:solidFill>
+            <a:schemeClr val="bg1"/>
+          </a:solidFill>
+          <a:ln>
+            <a:noFill/>
+          </a:ln>
+        </p:spPr>
+        <p:style>
+          <a:lnRef idx="2">
+            <a:schemeClr val="accent1">
+              <a:shade val="15000"/>
+            </a:schemeClr>
+          </a:lnRef>
+          <a:fillRef idx="1">
+            <a:schemeClr val="accent1"/>
+          </a:fillRef>
+          <a:effectRef idx="0">
+            <a:schemeClr val="accent1"/>
+          </a:effectRef>
+          <a:fontRef idx="minor">
+            <a:schemeClr val="lt1"/>
+          </a:fontRef>
+        </p:style>
+        <p:txBody>
+          <a:bodyPr rtlCol="0" anchor="ctr"/>
+          <a:lstStyle/>
+          <a:p>
+            <a:pPr algn="ctr"/>
+            <a:endParaRPr lang="en-US"/>
+          </a:p>
+        </p:txBody>
+      </p:sp>
+      <p:sp>
+        <p:nvSpPr>
+          <p:cNvPr id="7" name="Rectangle 6">
+            <a:extLst>
+              <a:ext uri="{FF2B5EF4-FFF2-40B4-BE49-F238E27FC236}">
+                <a16:creationId xmlns:a16="http://schemas.microsoft.com/office/drawing/2014/main" id="{76F5B80F-1051-9B86-98A5-F8ED0F1B677D}"/>
+              </a:ext>
+            </a:extLst>
+          </p:cNvPr>
+          <p:cNvSpPr/>
+          <p:nvPr/>
+        </p:nvSpPr>
+        <p:spPr>
+          <a:xfrm>
+            <a:off x="940704" y="4807265"/>
+            <a:ext cx="7021767" cy="577839"/>
+          </a:xfrm>
+          <a:prstGeom prst="rect">
+            <a:avLst/>
+          </a:prstGeom>
+          <a:solidFill>
+            <a:schemeClr val="bg1"/>
+          </a:solidFill>
+          <a:ln>
+            <a:noFill/>
+          </a:ln>
+        </p:spPr>
+        <p:style>
+          <a:lnRef idx="2">
+            <a:schemeClr val="accent1">
+              <a:shade val="15000"/>
+            </a:schemeClr>
+          </a:lnRef>
+          <a:fillRef idx="1">
+            <a:schemeClr val="accent1"/>
+          </a:fillRef>
+          <a:effectRef idx="0">
+            <a:schemeClr val="accent1"/>
+          </a:effectRef>
+          <a:fontRef idx="minor">
+            <a:schemeClr val="lt1"/>
+          </a:fontRef>
+        </p:style>
+        <p:txBody>
+          <a:bodyPr rtlCol="0" anchor="ctr"/>
+          <a:lstStyle/>
+          <a:p>
+            <a:pPr algn="ctr"/>
+            <a:endParaRPr lang="en-US"/>
+          </a:p>
+        </p:txBody>
+      </p:sp>
+      <p:sp>
+        <p:nvSpPr>
+          <p:cNvPr id="8" name="Rectangle 7">
+            <a:extLst>
+              <a:ext uri="{FF2B5EF4-FFF2-40B4-BE49-F238E27FC236}">
+                <a16:creationId xmlns:a16="http://schemas.microsoft.com/office/drawing/2014/main" id="{6B6457F3-BBCD-70D8-20A9-77DA83679D35}"/>
+              </a:ext>
+            </a:extLst>
+          </p:cNvPr>
+          <p:cNvSpPr/>
+          <p:nvPr/>
+        </p:nvSpPr>
+        <p:spPr>
+          <a:xfrm>
+            <a:off x="1181528" y="5967725"/>
+            <a:ext cx="7021767" cy="577839"/>
+          </a:xfrm>
+          <a:prstGeom prst="rect">
+            <a:avLst/>
+          </a:prstGeom>
+          <a:solidFill>
+            <a:schemeClr val="bg1"/>
+          </a:solidFill>
+          <a:ln>
+            <a:noFill/>
+          </a:ln>
+        </p:spPr>
+        <p:style>
+          <a:lnRef idx="2">
+            <a:schemeClr val="accent1">
+              <a:shade val="15000"/>
+            </a:schemeClr>
+          </a:lnRef>
+          <a:fillRef idx="1">
+            <a:schemeClr val="accent1"/>
+          </a:fillRef>
+          <a:effectRef idx="0">
+            <a:schemeClr val="accent1"/>
+          </a:effectRef>
+          <a:fontRef idx="minor">
+            <a:schemeClr val="lt1"/>
+          </a:fontRef>
+        </p:style>
+        <p:txBody>
+          <a:bodyPr rtlCol="0" anchor="ctr"/>
+          <a:lstStyle/>
+          <a:p>
+            <a:pPr algn="ctr"/>
+            <a:endParaRPr lang="en-US"/>
+          </a:p>
+        </p:txBody>
+      </p:sp>
+      <p:sp>
+        <p:nvSpPr>
+          <p:cNvPr id="10" name="Rectangle 9">
+            <a:extLst>
+              <a:ext uri="{FF2B5EF4-FFF2-40B4-BE49-F238E27FC236}">
+                <a16:creationId xmlns:a16="http://schemas.microsoft.com/office/drawing/2014/main" id="{DF143F5B-74AE-B0CB-4147-D3B540B743B8}"/>
+              </a:ext>
+            </a:extLst>
+          </p:cNvPr>
+          <p:cNvSpPr/>
+          <p:nvPr/>
+        </p:nvSpPr>
+        <p:spPr>
+          <a:xfrm>
+            <a:off x="4373698" y="2076103"/>
+            <a:ext cx="3818306" cy="577839"/>
+          </a:xfrm>
+          <a:prstGeom prst="rect">
+            <a:avLst/>
+          </a:prstGeom>
+          <a:solidFill>
+            <a:schemeClr val="bg1"/>
+          </a:solidFill>
+          <a:ln>
+            <a:noFill/>
+          </a:ln>
+        </p:spPr>
+        <p:style>
+          <a:lnRef idx="2">
+            <a:schemeClr val="accent1">
+              <a:shade val="15000"/>
+            </a:schemeClr>
+          </a:lnRef>
+          <a:fillRef idx="1">
+            <a:schemeClr val="accent1"/>
+          </a:fillRef>
+          <a:effectRef idx="0">
+            <a:schemeClr val="accent1"/>
+          </a:effectRef>
+          <a:fontRef idx="minor">
+            <a:schemeClr val="lt1"/>
+          </a:fontRef>
+        </p:style>
+        <p:txBody>
+          <a:bodyPr rtlCol="0" anchor="ctr"/>
+          <a:lstStyle/>
+          <a:p>
+            <a:pPr algn="ctr"/>
+            <a:endParaRPr lang="en-US"/>
+          </a:p>
+        </p:txBody>
+      </p:sp>
+      <p:sp>
+        <p:nvSpPr>
+          <p:cNvPr id="11" name="Rectangle 10">
+            <a:extLst>
+              <a:ext uri="{FF2B5EF4-FFF2-40B4-BE49-F238E27FC236}">
+                <a16:creationId xmlns:a16="http://schemas.microsoft.com/office/drawing/2014/main" id="{5D483CE4-70AE-DA82-FD29-18D0BA44C0C6}"/>
+              </a:ext>
+            </a:extLst>
+          </p:cNvPr>
+          <p:cNvSpPr/>
+          <p:nvPr/>
+        </p:nvSpPr>
+        <p:spPr>
+          <a:xfrm>
+            <a:off x="4291504" y="1153472"/>
+            <a:ext cx="3818306" cy="577839"/>
+          </a:xfrm>
+          <a:prstGeom prst="rect">
+            <a:avLst/>
+          </a:prstGeom>
+          <a:solidFill>
+            <a:schemeClr val="bg1"/>
+          </a:solidFill>
+          <a:ln>
+            <a:noFill/>
+          </a:ln>
+        </p:spPr>
+        <p:style>
+          <a:lnRef idx="2">
+            <a:schemeClr val="accent1">
+              <a:shade val="15000"/>
+            </a:schemeClr>
+          </a:lnRef>
+          <a:fillRef idx="1">
+            <a:schemeClr val="accent1"/>
+          </a:fillRef>
+          <a:effectRef idx="0">
+            <a:schemeClr val="accent1"/>
+          </a:effectRef>
+          <a:fontRef idx="minor">
+            <a:schemeClr val="lt1"/>
+          </a:fontRef>
+        </p:style>
+        <p:txBody>
+          <a:bodyPr rtlCol="0" anchor="ctr"/>
+          <a:lstStyle/>
+          <a:p>
+            <a:pPr algn="ctr"/>
+            <a:endParaRPr lang="en-US"/>
+          </a:p>
+        </p:txBody>
+      </p:sp>
     </p:spTree>
     <p:extLst>
       <p:ext uri="{BB962C8B-B14F-4D97-AF65-F5344CB8AC3E}">
@@ -11061,6 +11904,266 @@
           </a:prstGeom>
         </p:spPr>
       </p:pic>
+      <p:sp>
+        <p:nvSpPr>
+          <p:cNvPr id="3" name="Rectangle 2">
+            <a:extLst>
+              <a:ext uri="{FF2B5EF4-FFF2-40B4-BE49-F238E27FC236}">
+                <a16:creationId xmlns:a16="http://schemas.microsoft.com/office/drawing/2014/main" id="{64AF8466-0E74-8318-FC97-C91C32758882}"/>
+              </a:ext>
+            </a:extLst>
+          </p:cNvPr>
+          <p:cNvSpPr/>
+          <p:nvPr/>
+        </p:nvSpPr>
+        <p:spPr>
+          <a:xfrm>
+            <a:off x="1138504" y="1601774"/>
+            <a:ext cx="7198673" cy="469583"/>
+          </a:xfrm>
+          <a:prstGeom prst="rect">
+            <a:avLst/>
+          </a:prstGeom>
+          <a:solidFill>
+            <a:schemeClr val="bg1"/>
+          </a:solidFill>
+          <a:ln>
+            <a:noFill/>
+          </a:ln>
+        </p:spPr>
+        <p:style>
+          <a:lnRef idx="2">
+            <a:schemeClr val="accent1">
+              <a:shade val="15000"/>
+            </a:schemeClr>
+          </a:lnRef>
+          <a:fillRef idx="1">
+            <a:schemeClr val="accent1"/>
+          </a:fillRef>
+          <a:effectRef idx="0">
+            <a:schemeClr val="accent1"/>
+          </a:effectRef>
+          <a:fontRef idx="minor">
+            <a:schemeClr val="lt1"/>
+          </a:fontRef>
+        </p:style>
+        <p:txBody>
+          <a:bodyPr rtlCol="0" anchor="ctr"/>
+          <a:lstStyle/>
+          <a:p>
+            <a:pPr algn="ctr"/>
+            <a:endParaRPr lang="en-US"/>
+          </a:p>
+        </p:txBody>
+      </p:sp>
+      <p:sp>
+        <p:nvSpPr>
+          <p:cNvPr id="6" name="Rectangle 5">
+            <a:extLst>
+              <a:ext uri="{FF2B5EF4-FFF2-40B4-BE49-F238E27FC236}">
+                <a16:creationId xmlns:a16="http://schemas.microsoft.com/office/drawing/2014/main" id="{FFC62DA4-FB91-6B4C-C588-46B7B68AFBC1}"/>
+              </a:ext>
+            </a:extLst>
+          </p:cNvPr>
+          <p:cNvSpPr/>
+          <p:nvPr/>
+        </p:nvSpPr>
+        <p:spPr>
+          <a:xfrm>
+            <a:off x="1138504" y="2720981"/>
+            <a:ext cx="7198673" cy="469583"/>
+          </a:xfrm>
+          <a:prstGeom prst="rect">
+            <a:avLst/>
+          </a:prstGeom>
+          <a:solidFill>
+            <a:schemeClr val="bg1"/>
+          </a:solidFill>
+          <a:ln>
+            <a:noFill/>
+          </a:ln>
+        </p:spPr>
+        <p:style>
+          <a:lnRef idx="2">
+            <a:schemeClr val="accent1">
+              <a:shade val="15000"/>
+            </a:schemeClr>
+          </a:lnRef>
+          <a:fillRef idx="1">
+            <a:schemeClr val="accent1"/>
+          </a:fillRef>
+          <a:effectRef idx="0">
+            <a:schemeClr val="accent1"/>
+          </a:effectRef>
+          <a:fontRef idx="minor">
+            <a:schemeClr val="lt1"/>
+          </a:fontRef>
+        </p:style>
+        <p:txBody>
+          <a:bodyPr rtlCol="0" anchor="ctr"/>
+          <a:lstStyle/>
+          <a:p>
+            <a:pPr algn="ctr"/>
+            <a:endParaRPr lang="en-US"/>
+          </a:p>
+        </p:txBody>
+      </p:sp>
+      <p:sp>
+        <p:nvSpPr>
+          <p:cNvPr id="7" name="Rectangle 6">
+            <a:extLst>
+              <a:ext uri="{FF2B5EF4-FFF2-40B4-BE49-F238E27FC236}">
+                <a16:creationId xmlns:a16="http://schemas.microsoft.com/office/drawing/2014/main" id="{04830655-B523-222D-9347-82A76C704D24}"/>
+              </a:ext>
+            </a:extLst>
+          </p:cNvPr>
+          <p:cNvSpPr/>
+          <p:nvPr/>
+        </p:nvSpPr>
+        <p:spPr>
+          <a:xfrm>
+            <a:off x="1138504" y="3705030"/>
+            <a:ext cx="7198673" cy="469583"/>
+          </a:xfrm>
+          <a:prstGeom prst="rect">
+            <a:avLst/>
+          </a:prstGeom>
+          <a:solidFill>
+            <a:schemeClr val="bg1"/>
+          </a:solidFill>
+          <a:ln>
+            <a:noFill/>
+          </a:ln>
+        </p:spPr>
+        <p:style>
+          <a:lnRef idx="2">
+            <a:schemeClr val="accent1">
+              <a:shade val="15000"/>
+            </a:schemeClr>
+          </a:lnRef>
+          <a:fillRef idx="1">
+            <a:schemeClr val="accent1"/>
+          </a:fillRef>
+          <a:effectRef idx="0">
+            <a:schemeClr val="accent1"/>
+          </a:effectRef>
+          <a:fontRef idx="minor">
+            <a:schemeClr val="lt1"/>
+          </a:fontRef>
+        </p:style>
+        <p:txBody>
+          <a:bodyPr rtlCol="0" anchor="ctr"/>
+          <a:lstStyle/>
+          <a:p>
+            <a:pPr algn="ctr"/>
+            <a:endParaRPr lang="en-US"/>
+          </a:p>
+        </p:txBody>
+      </p:sp>
+      <p:sp>
+        <p:nvSpPr>
+          <p:cNvPr id="8" name="Rectangle 7">
+            <a:extLst>
+              <a:ext uri="{FF2B5EF4-FFF2-40B4-BE49-F238E27FC236}">
+                <a16:creationId xmlns:a16="http://schemas.microsoft.com/office/drawing/2014/main" id="{692E029E-3B82-4EF1-436A-B70507E54D28}"/>
+              </a:ext>
+            </a:extLst>
+          </p:cNvPr>
+          <p:cNvSpPr/>
+          <p:nvPr/>
+        </p:nvSpPr>
+        <p:spPr>
+          <a:xfrm>
+            <a:off x="1261794" y="4621979"/>
+            <a:ext cx="7198673" cy="469583"/>
+          </a:xfrm>
+          <a:prstGeom prst="rect">
+            <a:avLst/>
+          </a:prstGeom>
+          <a:solidFill>
+            <a:schemeClr val="bg1"/>
+          </a:solidFill>
+          <a:ln>
+            <a:noFill/>
+          </a:ln>
+        </p:spPr>
+        <p:style>
+          <a:lnRef idx="2">
+            <a:schemeClr val="accent1">
+              <a:shade val="15000"/>
+            </a:schemeClr>
+          </a:lnRef>
+          <a:fillRef idx="1">
+            <a:schemeClr val="accent1"/>
+          </a:fillRef>
+          <a:effectRef idx="0">
+            <a:schemeClr val="accent1"/>
+          </a:effectRef>
+          <a:fontRef idx="minor">
+            <a:schemeClr val="lt1"/>
+          </a:fontRef>
+        </p:style>
+        <p:txBody>
+          <a:bodyPr rtlCol="0" anchor="ctr"/>
+          <a:lstStyle/>
+          <a:p>
+            <a:pPr algn="ctr"/>
+            <a:endParaRPr lang="en-US"/>
+          </a:p>
+        </p:txBody>
+      </p:sp>
+      <p:sp>
+        <p:nvSpPr>
+          <p:cNvPr id="9" name="Rectangle 8">
+            <a:extLst>
+              <a:ext uri="{FF2B5EF4-FFF2-40B4-BE49-F238E27FC236}">
+                <a16:creationId xmlns:a16="http://schemas.microsoft.com/office/drawing/2014/main" id="{6E191BFB-C458-25CA-DF29-0DD2152EAA11}"/>
+              </a:ext>
+            </a:extLst>
+          </p:cNvPr>
+          <p:cNvSpPr/>
+          <p:nvPr/>
+        </p:nvSpPr>
+        <p:spPr>
+          <a:xfrm>
+            <a:off x="1138504" y="5753139"/>
+            <a:ext cx="7198673" cy="469583"/>
+          </a:xfrm>
+          <a:prstGeom prst="rect">
+            <a:avLst/>
+          </a:prstGeom>
+          <a:solidFill>
+            <a:schemeClr val="bg1"/>
+          </a:solidFill>
+          <a:ln>
+            <a:noFill/>
+          </a:ln>
+        </p:spPr>
+        <p:style>
+          <a:lnRef idx="2">
+            <a:schemeClr val="accent1">
+              <a:shade val="15000"/>
+            </a:schemeClr>
+          </a:lnRef>
+          <a:fillRef idx="1">
+            <a:schemeClr val="accent1"/>
+          </a:fillRef>
+          <a:effectRef idx="0">
+            <a:schemeClr val="accent1"/>
+          </a:effectRef>
+          <a:fontRef idx="minor">
+            <a:schemeClr val="lt1"/>
+          </a:fontRef>
+        </p:style>
+        <p:txBody>
+          <a:bodyPr rtlCol="0" anchor="ctr"/>
+          <a:lstStyle/>
+          <a:p>
+            <a:pPr algn="ctr"/>
+            <a:endParaRPr lang="en-US"/>
+          </a:p>
+        </p:txBody>
+      </p:sp>
     </p:spTree>
     <p:extLst>
       <p:ext uri="{BB962C8B-B14F-4D97-AF65-F5344CB8AC3E}">
@@ -11185,6 +12288,266 @@
           </a:prstGeom>
         </p:spPr>
       </p:pic>
+      <p:sp>
+        <p:nvSpPr>
+          <p:cNvPr id="3" name="Rectangle 2">
+            <a:extLst>
+              <a:ext uri="{FF2B5EF4-FFF2-40B4-BE49-F238E27FC236}">
+                <a16:creationId xmlns:a16="http://schemas.microsoft.com/office/drawing/2014/main" id="{CDCFDEC8-A191-023C-8D75-0FCB931A60ED}"/>
+              </a:ext>
+            </a:extLst>
+          </p:cNvPr>
+          <p:cNvSpPr/>
+          <p:nvPr/>
+        </p:nvSpPr>
+        <p:spPr>
+          <a:xfrm>
+            <a:off x="1343987" y="1612048"/>
+            <a:ext cx="5118458" cy="469583"/>
+          </a:xfrm>
+          <a:prstGeom prst="rect">
+            <a:avLst/>
+          </a:prstGeom>
+          <a:solidFill>
+            <a:schemeClr val="bg1"/>
+          </a:solidFill>
+          <a:ln>
+            <a:noFill/>
+          </a:ln>
+        </p:spPr>
+        <p:style>
+          <a:lnRef idx="2">
+            <a:schemeClr val="accent1">
+              <a:shade val="15000"/>
+            </a:schemeClr>
+          </a:lnRef>
+          <a:fillRef idx="1">
+            <a:schemeClr val="accent1"/>
+          </a:fillRef>
+          <a:effectRef idx="0">
+            <a:schemeClr val="accent1"/>
+          </a:effectRef>
+          <a:fontRef idx="minor">
+            <a:schemeClr val="lt1"/>
+          </a:fontRef>
+        </p:style>
+        <p:txBody>
+          <a:bodyPr rtlCol="0" anchor="ctr"/>
+          <a:lstStyle/>
+          <a:p>
+            <a:pPr algn="ctr"/>
+            <a:endParaRPr lang="en-US"/>
+          </a:p>
+        </p:txBody>
+      </p:sp>
+      <p:sp>
+        <p:nvSpPr>
+          <p:cNvPr id="4" name="Rectangle 3">
+            <a:extLst>
+              <a:ext uri="{FF2B5EF4-FFF2-40B4-BE49-F238E27FC236}">
+                <a16:creationId xmlns:a16="http://schemas.microsoft.com/office/drawing/2014/main" id="{B39C4B14-3CDC-4C39-70E1-1EA5C907B045}"/>
+              </a:ext>
+            </a:extLst>
+          </p:cNvPr>
+          <p:cNvSpPr/>
+          <p:nvPr/>
+        </p:nvSpPr>
+        <p:spPr>
+          <a:xfrm>
+            <a:off x="1343987" y="2609636"/>
+            <a:ext cx="5118458" cy="575791"/>
+          </a:xfrm>
+          <a:prstGeom prst="rect">
+            <a:avLst/>
+          </a:prstGeom>
+          <a:solidFill>
+            <a:schemeClr val="bg1"/>
+          </a:solidFill>
+          <a:ln>
+            <a:noFill/>
+          </a:ln>
+        </p:spPr>
+        <p:style>
+          <a:lnRef idx="2">
+            <a:schemeClr val="accent1">
+              <a:shade val="15000"/>
+            </a:schemeClr>
+          </a:lnRef>
+          <a:fillRef idx="1">
+            <a:schemeClr val="accent1"/>
+          </a:fillRef>
+          <a:effectRef idx="0">
+            <a:schemeClr val="accent1"/>
+          </a:effectRef>
+          <a:fontRef idx="minor">
+            <a:schemeClr val="lt1"/>
+          </a:fontRef>
+        </p:style>
+        <p:txBody>
+          <a:bodyPr rtlCol="0" anchor="ctr"/>
+          <a:lstStyle/>
+          <a:p>
+            <a:pPr algn="ctr"/>
+            <a:endParaRPr lang="en-US"/>
+          </a:p>
+        </p:txBody>
+      </p:sp>
+      <p:sp>
+        <p:nvSpPr>
+          <p:cNvPr id="7" name="Rectangle 6">
+            <a:extLst>
+              <a:ext uri="{FF2B5EF4-FFF2-40B4-BE49-F238E27FC236}">
+                <a16:creationId xmlns:a16="http://schemas.microsoft.com/office/drawing/2014/main" id="{0F4AB1EE-4A5F-2AE9-17C1-52F473AA38DE}"/>
+              </a:ext>
+            </a:extLst>
+          </p:cNvPr>
+          <p:cNvSpPr/>
+          <p:nvPr/>
+        </p:nvSpPr>
+        <p:spPr>
+          <a:xfrm>
+            <a:off x="1343986" y="3713432"/>
+            <a:ext cx="6228067" cy="575791"/>
+          </a:xfrm>
+          <a:prstGeom prst="rect">
+            <a:avLst/>
+          </a:prstGeom>
+          <a:solidFill>
+            <a:schemeClr val="bg1"/>
+          </a:solidFill>
+          <a:ln>
+            <a:noFill/>
+          </a:ln>
+        </p:spPr>
+        <p:style>
+          <a:lnRef idx="2">
+            <a:schemeClr val="accent1">
+              <a:shade val="15000"/>
+            </a:schemeClr>
+          </a:lnRef>
+          <a:fillRef idx="1">
+            <a:schemeClr val="accent1"/>
+          </a:fillRef>
+          <a:effectRef idx="0">
+            <a:schemeClr val="accent1"/>
+          </a:effectRef>
+          <a:fontRef idx="minor">
+            <a:schemeClr val="lt1"/>
+          </a:fontRef>
+        </p:style>
+        <p:txBody>
+          <a:bodyPr rtlCol="0" anchor="ctr"/>
+          <a:lstStyle/>
+          <a:p>
+            <a:pPr algn="ctr"/>
+            <a:endParaRPr lang="en-US"/>
+          </a:p>
+        </p:txBody>
+      </p:sp>
+      <p:sp>
+        <p:nvSpPr>
+          <p:cNvPr id="8" name="Rectangle 7">
+            <a:extLst>
+              <a:ext uri="{FF2B5EF4-FFF2-40B4-BE49-F238E27FC236}">
+                <a16:creationId xmlns:a16="http://schemas.microsoft.com/office/drawing/2014/main" id="{1EDCCD69-39B6-D646-0D78-A19EC46D367A}"/>
+              </a:ext>
+            </a:extLst>
+          </p:cNvPr>
+          <p:cNvSpPr/>
+          <p:nvPr/>
+        </p:nvSpPr>
+        <p:spPr>
+          <a:xfrm>
+            <a:off x="1338971" y="4670161"/>
+            <a:ext cx="6228067" cy="744320"/>
+          </a:xfrm>
+          <a:prstGeom prst="rect">
+            <a:avLst/>
+          </a:prstGeom>
+          <a:solidFill>
+            <a:schemeClr val="bg1"/>
+          </a:solidFill>
+          <a:ln>
+            <a:noFill/>
+          </a:ln>
+        </p:spPr>
+        <p:style>
+          <a:lnRef idx="2">
+            <a:schemeClr val="accent1">
+              <a:shade val="15000"/>
+            </a:schemeClr>
+          </a:lnRef>
+          <a:fillRef idx="1">
+            <a:schemeClr val="accent1"/>
+          </a:fillRef>
+          <a:effectRef idx="0">
+            <a:schemeClr val="accent1"/>
+          </a:effectRef>
+          <a:fontRef idx="minor">
+            <a:schemeClr val="lt1"/>
+          </a:fontRef>
+        </p:style>
+        <p:txBody>
+          <a:bodyPr rtlCol="0" anchor="ctr"/>
+          <a:lstStyle/>
+          <a:p>
+            <a:pPr algn="ctr"/>
+            <a:endParaRPr lang="en-US"/>
+          </a:p>
+        </p:txBody>
+      </p:sp>
+      <p:sp>
+        <p:nvSpPr>
+          <p:cNvPr id="9" name="Rectangle 8">
+            <a:extLst>
+              <a:ext uri="{FF2B5EF4-FFF2-40B4-BE49-F238E27FC236}">
+                <a16:creationId xmlns:a16="http://schemas.microsoft.com/office/drawing/2014/main" id="{E2042C38-0B72-247C-B412-0A5A11CEE316}"/>
+              </a:ext>
+            </a:extLst>
+          </p:cNvPr>
+          <p:cNvSpPr/>
+          <p:nvPr/>
+        </p:nvSpPr>
+        <p:spPr>
+          <a:xfrm>
+            <a:off x="1435388" y="5695078"/>
+            <a:ext cx="6228067" cy="744320"/>
+          </a:xfrm>
+          <a:prstGeom prst="rect">
+            <a:avLst/>
+          </a:prstGeom>
+          <a:solidFill>
+            <a:schemeClr val="bg1"/>
+          </a:solidFill>
+          <a:ln>
+            <a:noFill/>
+          </a:ln>
+        </p:spPr>
+        <p:style>
+          <a:lnRef idx="2">
+            <a:schemeClr val="accent1">
+              <a:shade val="15000"/>
+            </a:schemeClr>
+          </a:lnRef>
+          <a:fillRef idx="1">
+            <a:schemeClr val="accent1"/>
+          </a:fillRef>
+          <a:effectRef idx="0">
+            <a:schemeClr val="accent1"/>
+          </a:effectRef>
+          <a:fontRef idx="minor">
+            <a:schemeClr val="lt1"/>
+          </a:fontRef>
+        </p:style>
+        <p:txBody>
+          <a:bodyPr rtlCol="0" anchor="ctr"/>
+          <a:lstStyle/>
+          <a:p>
+            <a:pPr algn="ctr"/>
+            <a:endParaRPr lang="en-US"/>
+          </a:p>
+        </p:txBody>
+      </p:sp>
     </p:spTree>
     <p:extLst>
       <p:ext uri="{BB962C8B-B14F-4D97-AF65-F5344CB8AC3E}">
@@ -11309,10 +12672,1445 @@
           </a:prstGeom>
         </p:spPr>
       </p:pic>
+      <p:sp>
+        <p:nvSpPr>
+          <p:cNvPr id="3" name="Rectangle 2">
+            <a:extLst>
+              <a:ext uri="{FF2B5EF4-FFF2-40B4-BE49-F238E27FC236}">
+                <a16:creationId xmlns:a16="http://schemas.microsoft.com/office/drawing/2014/main" id="{76CFB4DC-0D5E-874D-4432-258BA8B78537}"/>
+              </a:ext>
+            </a:extLst>
+          </p:cNvPr>
+          <p:cNvSpPr/>
+          <p:nvPr/>
+        </p:nvSpPr>
+        <p:spPr>
+          <a:xfrm>
+            <a:off x="3375061" y="1880172"/>
+            <a:ext cx="2368193" cy="246580"/>
+          </a:xfrm>
+          <a:prstGeom prst="rect">
+            <a:avLst/>
+          </a:prstGeom>
+          <a:solidFill>
+            <a:schemeClr val="bg1"/>
+          </a:solidFill>
+          <a:ln>
+            <a:noFill/>
+          </a:ln>
+        </p:spPr>
+        <p:style>
+          <a:lnRef idx="2">
+            <a:schemeClr val="accent1">
+              <a:shade val="15000"/>
+            </a:schemeClr>
+          </a:lnRef>
+          <a:fillRef idx="1">
+            <a:schemeClr val="accent1"/>
+          </a:fillRef>
+          <a:effectRef idx="0">
+            <a:schemeClr val="accent1"/>
+          </a:effectRef>
+          <a:fontRef idx="minor">
+            <a:schemeClr val="lt1"/>
+          </a:fontRef>
+        </p:style>
+        <p:txBody>
+          <a:bodyPr rtlCol="0" anchor="ctr"/>
+          <a:lstStyle/>
+          <a:p>
+            <a:pPr algn="ctr"/>
+            <a:endParaRPr lang="en-US"/>
+          </a:p>
+        </p:txBody>
+      </p:sp>
+      <p:sp>
+        <p:nvSpPr>
+          <p:cNvPr id="6" name="Rectangle 5">
+            <a:extLst>
+              <a:ext uri="{FF2B5EF4-FFF2-40B4-BE49-F238E27FC236}">
+                <a16:creationId xmlns:a16="http://schemas.microsoft.com/office/drawing/2014/main" id="{A632E73E-B2DB-5B0B-7ECB-5BAB4E631BB9}"/>
+              </a:ext>
+            </a:extLst>
+          </p:cNvPr>
+          <p:cNvSpPr/>
+          <p:nvPr/>
+        </p:nvSpPr>
+        <p:spPr>
+          <a:xfrm>
+            <a:off x="3365325" y="2847843"/>
+            <a:ext cx="2368193" cy="246580"/>
+          </a:xfrm>
+          <a:prstGeom prst="rect">
+            <a:avLst/>
+          </a:prstGeom>
+          <a:solidFill>
+            <a:schemeClr val="bg1"/>
+          </a:solidFill>
+          <a:ln>
+            <a:noFill/>
+          </a:ln>
+        </p:spPr>
+        <p:style>
+          <a:lnRef idx="2">
+            <a:schemeClr val="accent1">
+              <a:shade val="15000"/>
+            </a:schemeClr>
+          </a:lnRef>
+          <a:fillRef idx="1">
+            <a:schemeClr val="accent1"/>
+          </a:fillRef>
+          <a:effectRef idx="0">
+            <a:schemeClr val="accent1"/>
+          </a:effectRef>
+          <a:fontRef idx="minor">
+            <a:schemeClr val="lt1"/>
+          </a:fontRef>
+        </p:style>
+        <p:txBody>
+          <a:bodyPr rtlCol="0" anchor="ctr"/>
+          <a:lstStyle/>
+          <a:p>
+            <a:pPr algn="ctr"/>
+            <a:endParaRPr lang="en-US"/>
+          </a:p>
+        </p:txBody>
+      </p:sp>
+      <p:sp>
+        <p:nvSpPr>
+          <p:cNvPr id="7" name="Rectangle 6">
+            <a:extLst>
+              <a:ext uri="{FF2B5EF4-FFF2-40B4-BE49-F238E27FC236}">
+                <a16:creationId xmlns:a16="http://schemas.microsoft.com/office/drawing/2014/main" id="{978C1435-79D2-BCBC-BF94-116EF3CC8FAD}"/>
+              </a:ext>
+            </a:extLst>
+          </p:cNvPr>
+          <p:cNvSpPr/>
+          <p:nvPr/>
+        </p:nvSpPr>
+        <p:spPr>
+          <a:xfrm>
+            <a:off x="3221486" y="2389320"/>
+            <a:ext cx="2368193" cy="246580"/>
+          </a:xfrm>
+          <a:prstGeom prst="rect">
+            <a:avLst/>
+          </a:prstGeom>
+          <a:solidFill>
+            <a:schemeClr val="bg1"/>
+          </a:solidFill>
+          <a:ln>
+            <a:noFill/>
+          </a:ln>
+        </p:spPr>
+        <p:style>
+          <a:lnRef idx="2">
+            <a:schemeClr val="accent1">
+              <a:shade val="15000"/>
+            </a:schemeClr>
+          </a:lnRef>
+          <a:fillRef idx="1">
+            <a:schemeClr val="accent1"/>
+          </a:fillRef>
+          <a:effectRef idx="0">
+            <a:schemeClr val="accent1"/>
+          </a:effectRef>
+          <a:fontRef idx="minor">
+            <a:schemeClr val="lt1"/>
+          </a:fontRef>
+        </p:style>
+        <p:txBody>
+          <a:bodyPr rtlCol="0" anchor="ctr"/>
+          <a:lstStyle/>
+          <a:p>
+            <a:pPr algn="ctr"/>
+            <a:endParaRPr lang="en-US"/>
+          </a:p>
+        </p:txBody>
+      </p:sp>
+      <p:sp>
+        <p:nvSpPr>
+          <p:cNvPr id="8" name="Rectangle 7">
+            <a:extLst>
+              <a:ext uri="{FF2B5EF4-FFF2-40B4-BE49-F238E27FC236}">
+                <a16:creationId xmlns:a16="http://schemas.microsoft.com/office/drawing/2014/main" id="{DE3F797D-251B-8FB5-BB93-65D58CCAF3BD}"/>
+              </a:ext>
+            </a:extLst>
+          </p:cNvPr>
+          <p:cNvSpPr/>
+          <p:nvPr/>
+        </p:nvSpPr>
+        <p:spPr>
+          <a:xfrm>
+            <a:off x="3221486" y="3377476"/>
+            <a:ext cx="2368193" cy="246580"/>
+          </a:xfrm>
+          <a:prstGeom prst="rect">
+            <a:avLst/>
+          </a:prstGeom>
+          <a:solidFill>
+            <a:schemeClr val="bg1"/>
+          </a:solidFill>
+          <a:ln>
+            <a:noFill/>
+          </a:ln>
+        </p:spPr>
+        <p:style>
+          <a:lnRef idx="2">
+            <a:schemeClr val="accent1">
+              <a:shade val="15000"/>
+            </a:schemeClr>
+          </a:lnRef>
+          <a:fillRef idx="1">
+            <a:schemeClr val="accent1"/>
+          </a:fillRef>
+          <a:effectRef idx="0">
+            <a:schemeClr val="accent1"/>
+          </a:effectRef>
+          <a:fontRef idx="minor">
+            <a:schemeClr val="lt1"/>
+          </a:fontRef>
+        </p:style>
+        <p:txBody>
+          <a:bodyPr rtlCol="0" anchor="ctr"/>
+          <a:lstStyle/>
+          <a:p>
+            <a:pPr algn="ctr"/>
+            <a:endParaRPr lang="en-US"/>
+          </a:p>
+        </p:txBody>
+      </p:sp>
+      <p:sp>
+        <p:nvSpPr>
+          <p:cNvPr id="9" name="Rectangle 8">
+            <a:extLst>
+              <a:ext uri="{FF2B5EF4-FFF2-40B4-BE49-F238E27FC236}">
+                <a16:creationId xmlns:a16="http://schemas.microsoft.com/office/drawing/2014/main" id="{28C0AE4A-4247-8DBB-A9D1-9C36D5B4BBC1}"/>
+              </a:ext>
+            </a:extLst>
+          </p:cNvPr>
+          <p:cNvSpPr/>
+          <p:nvPr/>
+        </p:nvSpPr>
+        <p:spPr>
+          <a:xfrm>
+            <a:off x="3221486" y="3868388"/>
+            <a:ext cx="2368193" cy="246580"/>
+          </a:xfrm>
+          <a:prstGeom prst="rect">
+            <a:avLst/>
+          </a:prstGeom>
+          <a:solidFill>
+            <a:schemeClr val="bg1"/>
+          </a:solidFill>
+          <a:ln>
+            <a:noFill/>
+          </a:ln>
+        </p:spPr>
+        <p:style>
+          <a:lnRef idx="2">
+            <a:schemeClr val="accent1">
+              <a:shade val="15000"/>
+            </a:schemeClr>
+          </a:lnRef>
+          <a:fillRef idx="1">
+            <a:schemeClr val="accent1"/>
+          </a:fillRef>
+          <a:effectRef idx="0">
+            <a:schemeClr val="accent1"/>
+          </a:effectRef>
+          <a:fontRef idx="minor">
+            <a:schemeClr val="lt1"/>
+          </a:fontRef>
+        </p:style>
+        <p:txBody>
+          <a:bodyPr rtlCol="0" anchor="ctr"/>
+          <a:lstStyle/>
+          <a:p>
+            <a:pPr algn="ctr"/>
+            <a:endParaRPr lang="en-US"/>
+          </a:p>
+        </p:txBody>
+      </p:sp>
+      <p:sp>
+        <p:nvSpPr>
+          <p:cNvPr id="10" name="Rectangle 9">
+            <a:extLst>
+              <a:ext uri="{FF2B5EF4-FFF2-40B4-BE49-F238E27FC236}">
+                <a16:creationId xmlns:a16="http://schemas.microsoft.com/office/drawing/2014/main" id="{0858F0F3-C1D5-0FCC-F1FB-48C71FE7EF00}"/>
+              </a:ext>
+            </a:extLst>
+          </p:cNvPr>
+          <p:cNvSpPr/>
+          <p:nvPr/>
+        </p:nvSpPr>
+        <p:spPr>
+          <a:xfrm>
+            <a:off x="3221485" y="4335036"/>
+            <a:ext cx="2368193" cy="246580"/>
+          </a:xfrm>
+          <a:prstGeom prst="rect">
+            <a:avLst/>
+          </a:prstGeom>
+          <a:solidFill>
+            <a:schemeClr val="bg1"/>
+          </a:solidFill>
+          <a:ln>
+            <a:noFill/>
+          </a:ln>
+        </p:spPr>
+        <p:style>
+          <a:lnRef idx="2">
+            <a:schemeClr val="accent1">
+              <a:shade val="15000"/>
+            </a:schemeClr>
+          </a:lnRef>
+          <a:fillRef idx="1">
+            <a:schemeClr val="accent1"/>
+          </a:fillRef>
+          <a:effectRef idx="0">
+            <a:schemeClr val="accent1"/>
+          </a:effectRef>
+          <a:fontRef idx="minor">
+            <a:schemeClr val="lt1"/>
+          </a:fontRef>
+        </p:style>
+        <p:txBody>
+          <a:bodyPr rtlCol="0" anchor="ctr"/>
+          <a:lstStyle/>
+          <a:p>
+            <a:pPr algn="ctr"/>
+            <a:endParaRPr lang="en-US"/>
+          </a:p>
+        </p:txBody>
+      </p:sp>
+      <p:sp>
+        <p:nvSpPr>
+          <p:cNvPr id="11" name="Rectangle 10">
+            <a:extLst>
+              <a:ext uri="{FF2B5EF4-FFF2-40B4-BE49-F238E27FC236}">
+                <a16:creationId xmlns:a16="http://schemas.microsoft.com/office/drawing/2014/main" id="{C725F2DC-48A2-D3FD-92E5-0C1598156A5E}"/>
+              </a:ext>
+            </a:extLst>
+          </p:cNvPr>
+          <p:cNvSpPr/>
+          <p:nvPr/>
+        </p:nvSpPr>
+        <p:spPr>
+          <a:xfrm>
+            <a:off x="3365324" y="4793559"/>
+            <a:ext cx="2368193" cy="246580"/>
+          </a:xfrm>
+          <a:prstGeom prst="rect">
+            <a:avLst/>
+          </a:prstGeom>
+          <a:solidFill>
+            <a:schemeClr val="bg1"/>
+          </a:solidFill>
+          <a:ln>
+            <a:noFill/>
+          </a:ln>
+        </p:spPr>
+        <p:style>
+          <a:lnRef idx="2">
+            <a:schemeClr val="accent1">
+              <a:shade val="15000"/>
+            </a:schemeClr>
+          </a:lnRef>
+          <a:fillRef idx="1">
+            <a:schemeClr val="accent1"/>
+          </a:fillRef>
+          <a:effectRef idx="0">
+            <a:schemeClr val="accent1"/>
+          </a:effectRef>
+          <a:fontRef idx="minor">
+            <a:schemeClr val="lt1"/>
+          </a:fontRef>
+        </p:style>
+        <p:txBody>
+          <a:bodyPr rtlCol="0" anchor="ctr"/>
+          <a:lstStyle/>
+          <a:p>
+            <a:pPr algn="ctr"/>
+            <a:endParaRPr lang="en-US"/>
+          </a:p>
+        </p:txBody>
+      </p:sp>
+      <p:sp>
+        <p:nvSpPr>
+          <p:cNvPr id="12" name="Rectangle 11">
+            <a:extLst>
+              <a:ext uri="{FF2B5EF4-FFF2-40B4-BE49-F238E27FC236}">
+                <a16:creationId xmlns:a16="http://schemas.microsoft.com/office/drawing/2014/main" id="{6DB9F620-26F3-127C-688D-63AF26F1F4C3}"/>
+              </a:ext>
+            </a:extLst>
+          </p:cNvPr>
+          <p:cNvSpPr/>
+          <p:nvPr/>
+        </p:nvSpPr>
+        <p:spPr>
+          <a:xfrm>
+            <a:off x="3365322" y="5787939"/>
+            <a:ext cx="2368193" cy="246580"/>
+          </a:xfrm>
+          <a:prstGeom prst="rect">
+            <a:avLst/>
+          </a:prstGeom>
+          <a:solidFill>
+            <a:schemeClr val="bg1"/>
+          </a:solidFill>
+          <a:ln>
+            <a:noFill/>
+          </a:ln>
+        </p:spPr>
+        <p:style>
+          <a:lnRef idx="2">
+            <a:schemeClr val="accent1">
+              <a:shade val="15000"/>
+            </a:schemeClr>
+          </a:lnRef>
+          <a:fillRef idx="1">
+            <a:schemeClr val="accent1"/>
+          </a:fillRef>
+          <a:effectRef idx="0">
+            <a:schemeClr val="accent1"/>
+          </a:effectRef>
+          <a:fontRef idx="minor">
+            <a:schemeClr val="lt1"/>
+          </a:fontRef>
+        </p:style>
+        <p:txBody>
+          <a:bodyPr rtlCol="0" anchor="ctr"/>
+          <a:lstStyle/>
+          <a:p>
+            <a:pPr algn="ctr"/>
+            <a:endParaRPr lang="en-US"/>
+          </a:p>
+        </p:txBody>
+      </p:sp>
+      <p:sp>
+        <p:nvSpPr>
+          <p:cNvPr id="13" name="Rectangle 12">
+            <a:extLst>
+              <a:ext uri="{FF2B5EF4-FFF2-40B4-BE49-F238E27FC236}">
+                <a16:creationId xmlns:a16="http://schemas.microsoft.com/office/drawing/2014/main" id="{B9FE0B62-7F46-0CD6-4346-863ABD32DAE9}"/>
+              </a:ext>
+            </a:extLst>
+          </p:cNvPr>
+          <p:cNvSpPr/>
+          <p:nvPr/>
+        </p:nvSpPr>
+        <p:spPr>
+          <a:xfrm>
+            <a:off x="3221485" y="5279330"/>
+            <a:ext cx="2368193" cy="246580"/>
+          </a:xfrm>
+          <a:prstGeom prst="rect">
+            <a:avLst/>
+          </a:prstGeom>
+          <a:solidFill>
+            <a:schemeClr val="bg1"/>
+          </a:solidFill>
+          <a:ln>
+            <a:noFill/>
+          </a:ln>
+        </p:spPr>
+        <p:style>
+          <a:lnRef idx="2">
+            <a:schemeClr val="accent1">
+              <a:shade val="15000"/>
+            </a:schemeClr>
+          </a:lnRef>
+          <a:fillRef idx="1">
+            <a:schemeClr val="accent1"/>
+          </a:fillRef>
+          <a:effectRef idx="0">
+            <a:schemeClr val="accent1"/>
+          </a:effectRef>
+          <a:fontRef idx="minor">
+            <a:schemeClr val="lt1"/>
+          </a:fontRef>
+        </p:style>
+        <p:txBody>
+          <a:bodyPr rtlCol="0" anchor="ctr"/>
+          <a:lstStyle/>
+          <a:p>
+            <a:pPr algn="ctr"/>
+            <a:endParaRPr lang="en-US"/>
+          </a:p>
+        </p:txBody>
+      </p:sp>
+      <p:sp>
+        <p:nvSpPr>
+          <p:cNvPr id="14" name="Rectangle 13">
+            <a:extLst>
+              <a:ext uri="{FF2B5EF4-FFF2-40B4-BE49-F238E27FC236}">
+                <a16:creationId xmlns:a16="http://schemas.microsoft.com/office/drawing/2014/main" id="{1F20B2A5-8791-C455-2EC4-985DFA30A7B7}"/>
+              </a:ext>
+            </a:extLst>
+          </p:cNvPr>
+          <p:cNvSpPr/>
+          <p:nvPr/>
+        </p:nvSpPr>
+        <p:spPr>
+          <a:xfrm>
+            <a:off x="6377589" y="1869899"/>
+            <a:ext cx="2368193" cy="246580"/>
+          </a:xfrm>
+          <a:prstGeom prst="rect">
+            <a:avLst/>
+          </a:prstGeom>
+          <a:solidFill>
+            <a:schemeClr val="bg1"/>
+          </a:solidFill>
+          <a:ln>
+            <a:noFill/>
+          </a:ln>
+        </p:spPr>
+        <p:style>
+          <a:lnRef idx="2">
+            <a:schemeClr val="accent1">
+              <a:shade val="15000"/>
+            </a:schemeClr>
+          </a:lnRef>
+          <a:fillRef idx="1">
+            <a:schemeClr val="accent1"/>
+          </a:fillRef>
+          <a:effectRef idx="0">
+            <a:schemeClr val="accent1"/>
+          </a:effectRef>
+          <a:fontRef idx="minor">
+            <a:schemeClr val="lt1"/>
+          </a:fontRef>
+        </p:style>
+        <p:txBody>
+          <a:bodyPr rtlCol="0" anchor="ctr"/>
+          <a:lstStyle/>
+          <a:p>
+            <a:pPr algn="ctr"/>
+            <a:endParaRPr lang="en-US"/>
+          </a:p>
+        </p:txBody>
+      </p:sp>
+      <p:sp>
+        <p:nvSpPr>
+          <p:cNvPr id="15" name="Rectangle 14">
+            <a:extLst>
+              <a:ext uri="{FF2B5EF4-FFF2-40B4-BE49-F238E27FC236}">
+                <a16:creationId xmlns:a16="http://schemas.microsoft.com/office/drawing/2014/main" id="{5B2361ED-CDEB-90E3-2CB1-8BC92CB0133A}"/>
+              </a:ext>
+            </a:extLst>
+          </p:cNvPr>
+          <p:cNvSpPr/>
+          <p:nvPr/>
+        </p:nvSpPr>
+        <p:spPr>
+          <a:xfrm>
+            <a:off x="6358117" y="2855968"/>
+            <a:ext cx="2368193" cy="246580"/>
+          </a:xfrm>
+          <a:prstGeom prst="rect">
+            <a:avLst/>
+          </a:prstGeom>
+          <a:solidFill>
+            <a:schemeClr val="bg1"/>
+          </a:solidFill>
+          <a:ln>
+            <a:noFill/>
+          </a:ln>
+        </p:spPr>
+        <p:style>
+          <a:lnRef idx="2">
+            <a:schemeClr val="accent1">
+              <a:shade val="15000"/>
+            </a:schemeClr>
+          </a:lnRef>
+          <a:fillRef idx="1">
+            <a:schemeClr val="accent1"/>
+          </a:fillRef>
+          <a:effectRef idx="0">
+            <a:schemeClr val="accent1"/>
+          </a:effectRef>
+          <a:fontRef idx="minor">
+            <a:schemeClr val="lt1"/>
+          </a:fontRef>
+        </p:style>
+        <p:txBody>
+          <a:bodyPr rtlCol="0" anchor="ctr"/>
+          <a:lstStyle/>
+          <a:p>
+            <a:pPr algn="ctr"/>
+            <a:endParaRPr lang="en-US"/>
+          </a:p>
+        </p:txBody>
+      </p:sp>
+      <p:sp>
+        <p:nvSpPr>
+          <p:cNvPr id="16" name="Rectangle 15">
+            <a:extLst>
+              <a:ext uri="{FF2B5EF4-FFF2-40B4-BE49-F238E27FC236}">
+                <a16:creationId xmlns:a16="http://schemas.microsoft.com/office/drawing/2014/main" id="{ECE93DDA-1DC7-FF0E-E983-B17449C7FE98}"/>
+              </a:ext>
+            </a:extLst>
+          </p:cNvPr>
+          <p:cNvSpPr/>
+          <p:nvPr/>
+        </p:nvSpPr>
+        <p:spPr>
+          <a:xfrm>
+            <a:off x="6358117" y="2336547"/>
+            <a:ext cx="2368193" cy="246580"/>
+          </a:xfrm>
+          <a:prstGeom prst="rect">
+            <a:avLst/>
+          </a:prstGeom>
+          <a:solidFill>
+            <a:schemeClr val="bg1"/>
+          </a:solidFill>
+          <a:ln>
+            <a:noFill/>
+          </a:ln>
+        </p:spPr>
+        <p:style>
+          <a:lnRef idx="2">
+            <a:schemeClr val="accent1">
+              <a:shade val="15000"/>
+            </a:schemeClr>
+          </a:lnRef>
+          <a:fillRef idx="1">
+            <a:schemeClr val="accent1"/>
+          </a:fillRef>
+          <a:effectRef idx="0">
+            <a:schemeClr val="accent1"/>
+          </a:effectRef>
+          <a:fontRef idx="minor">
+            <a:schemeClr val="lt1"/>
+          </a:fontRef>
+        </p:style>
+        <p:txBody>
+          <a:bodyPr rtlCol="0" anchor="ctr"/>
+          <a:lstStyle/>
+          <a:p>
+            <a:pPr algn="ctr"/>
+            <a:endParaRPr lang="en-US"/>
+          </a:p>
+        </p:txBody>
+      </p:sp>
+      <p:sp>
+        <p:nvSpPr>
+          <p:cNvPr id="17" name="Rectangle 16">
+            <a:extLst>
+              <a:ext uri="{FF2B5EF4-FFF2-40B4-BE49-F238E27FC236}">
+                <a16:creationId xmlns:a16="http://schemas.microsoft.com/office/drawing/2014/main" id="{CAD888FD-C6F8-7B2E-6696-C79992A5C695}"/>
+              </a:ext>
+            </a:extLst>
+          </p:cNvPr>
+          <p:cNvSpPr/>
+          <p:nvPr/>
+        </p:nvSpPr>
+        <p:spPr>
+          <a:xfrm>
+            <a:off x="6358116" y="3363141"/>
+            <a:ext cx="2368193" cy="246580"/>
+          </a:xfrm>
+          <a:prstGeom prst="rect">
+            <a:avLst/>
+          </a:prstGeom>
+          <a:solidFill>
+            <a:schemeClr val="bg1"/>
+          </a:solidFill>
+          <a:ln>
+            <a:noFill/>
+          </a:ln>
+        </p:spPr>
+        <p:style>
+          <a:lnRef idx="2">
+            <a:schemeClr val="accent1">
+              <a:shade val="15000"/>
+            </a:schemeClr>
+          </a:lnRef>
+          <a:fillRef idx="1">
+            <a:schemeClr val="accent1"/>
+          </a:fillRef>
+          <a:effectRef idx="0">
+            <a:schemeClr val="accent1"/>
+          </a:effectRef>
+          <a:fontRef idx="minor">
+            <a:schemeClr val="lt1"/>
+          </a:fontRef>
+        </p:style>
+        <p:txBody>
+          <a:bodyPr rtlCol="0" anchor="ctr"/>
+          <a:lstStyle/>
+          <a:p>
+            <a:pPr algn="ctr"/>
+            <a:endParaRPr lang="en-US"/>
+          </a:p>
+        </p:txBody>
+      </p:sp>
+      <p:sp>
+        <p:nvSpPr>
+          <p:cNvPr id="18" name="Rectangle 17">
+            <a:extLst>
+              <a:ext uri="{FF2B5EF4-FFF2-40B4-BE49-F238E27FC236}">
+                <a16:creationId xmlns:a16="http://schemas.microsoft.com/office/drawing/2014/main" id="{8F1D41D9-5A27-AEAF-C962-3D888C914BCF}"/>
+              </a:ext>
+            </a:extLst>
+          </p:cNvPr>
+          <p:cNvSpPr/>
+          <p:nvPr/>
+        </p:nvSpPr>
+        <p:spPr>
+          <a:xfrm>
+            <a:off x="6358115" y="3856175"/>
+            <a:ext cx="2368193" cy="246580"/>
+          </a:xfrm>
+          <a:prstGeom prst="rect">
+            <a:avLst/>
+          </a:prstGeom>
+          <a:solidFill>
+            <a:schemeClr val="bg1"/>
+          </a:solidFill>
+          <a:ln>
+            <a:noFill/>
+          </a:ln>
+        </p:spPr>
+        <p:style>
+          <a:lnRef idx="2">
+            <a:schemeClr val="accent1">
+              <a:shade val="15000"/>
+            </a:schemeClr>
+          </a:lnRef>
+          <a:fillRef idx="1">
+            <a:schemeClr val="accent1"/>
+          </a:fillRef>
+          <a:effectRef idx="0">
+            <a:schemeClr val="accent1"/>
+          </a:effectRef>
+          <a:fontRef idx="minor">
+            <a:schemeClr val="lt1"/>
+          </a:fontRef>
+        </p:style>
+        <p:txBody>
+          <a:bodyPr rtlCol="0" anchor="ctr"/>
+          <a:lstStyle/>
+          <a:p>
+            <a:pPr algn="ctr"/>
+            <a:endParaRPr lang="en-US"/>
+          </a:p>
+        </p:txBody>
+      </p:sp>
+      <p:sp>
+        <p:nvSpPr>
+          <p:cNvPr id="19" name="Rectangle 18">
+            <a:extLst>
+              <a:ext uri="{FF2B5EF4-FFF2-40B4-BE49-F238E27FC236}">
+                <a16:creationId xmlns:a16="http://schemas.microsoft.com/office/drawing/2014/main" id="{47B87728-815C-457C-1B1F-1E11BEEBD969}"/>
+              </a:ext>
+            </a:extLst>
+          </p:cNvPr>
+          <p:cNvSpPr/>
+          <p:nvPr/>
+        </p:nvSpPr>
+        <p:spPr>
+          <a:xfrm>
+            <a:off x="6358115" y="4381647"/>
+            <a:ext cx="2368193" cy="246580"/>
+          </a:xfrm>
+          <a:prstGeom prst="rect">
+            <a:avLst/>
+          </a:prstGeom>
+          <a:solidFill>
+            <a:schemeClr val="bg1"/>
+          </a:solidFill>
+          <a:ln>
+            <a:noFill/>
+          </a:ln>
+        </p:spPr>
+        <p:style>
+          <a:lnRef idx="2">
+            <a:schemeClr val="accent1">
+              <a:shade val="15000"/>
+            </a:schemeClr>
+          </a:lnRef>
+          <a:fillRef idx="1">
+            <a:schemeClr val="accent1"/>
+          </a:fillRef>
+          <a:effectRef idx="0">
+            <a:schemeClr val="accent1"/>
+          </a:effectRef>
+          <a:fontRef idx="minor">
+            <a:schemeClr val="lt1"/>
+          </a:fontRef>
+        </p:style>
+        <p:txBody>
+          <a:bodyPr rtlCol="0" anchor="ctr"/>
+          <a:lstStyle/>
+          <a:p>
+            <a:pPr algn="ctr"/>
+            <a:endParaRPr lang="en-US"/>
+          </a:p>
+        </p:txBody>
+      </p:sp>
+      <p:sp>
+        <p:nvSpPr>
+          <p:cNvPr id="20" name="Rectangle 19">
+            <a:extLst>
+              <a:ext uri="{FF2B5EF4-FFF2-40B4-BE49-F238E27FC236}">
+                <a16:creationId xmlns:a16="http://schemas.microsoft.com/office/drawing/2014/main" id="{E1AD2978-1C8E-58BD-3157-D829F7FFFF36}"/>
+              </a:ext>
+            </a:extLst>
+          </p:cNvPr>
+          <p:cNvSpPr/>
+          <p:nvPr/>
+        </p:nvSpPr>
+        <p:spPr>
+          <a:xfrm>
+            <a:off x="6358114" y="5334484"/>
+            <a:ext cx="2368193" cy="246580"/>
+          </a:xfrm>
+          <a:prstGeom prst="rect">
+            <a:avLst/>
+          </a:prstGeom>
+          <a:solidFill>
+            <a:schemeClr val="bg1"/>
+          </a:solidFill>
+          <a:ln>
+            <a:noFill/>
+          </a:ln>
+        </p:spPr>
+        <p:style>
+          <a:lnRef idx="2">
+            <a:schemeClr val="accent1">
+              <a:shade val="15000"/>
+            </a:schemeClr>
+          </a:lnRef>
+          <a:fillRef idx="1">
+            <a:schemeClr val="accent1"/>
+          </a:fillRef>
+          <a:effectRef idx="0">
+            <a:schemeClr val="accent1"/>
+          </a:effectRef>
+          <a:fontRef idx="minor">
+            <a:schemeClr val="lt1"/>
+          </a:fontRef>
+        </p:style>
+        <p:txBody>
+          <a:bodyPr rtlCol="0" anchor="ctr"/>
+          <a:lstStyle/>
+          <a:p>
+            <a:pPr algn="ctr"/>
+            <a:endParaRPr lang="en-US"/>
+          </a:p>
+        </p:txBody>
+      </p:sp>
+      <p:sp>
+        <p:nvSpPr>
+          <p:cNvPr id="21" name="Rectangle 20">
+            <a:extLst>
+              <a:ext uri="{FF2B5EF4-FFF2-40B4-BE49-F238E27FC236}">
+                <a16:creationId xmlns:a16="http://schemas.microsoft.com/office/drawing/2014/main" id="{6A966F4D-C807-B570-EF35-8E45C8DB916C}"/>
+              </a:ext>
+            </a:extLst>
+          </p:cNvPr>
+          <p:cNvSpPr/>
+          <p:nvPr/>
+        </p:nvSpPr>
+        <p:spPr>
+          <a:xfrm>
+            <a:off x="6358113" y="5810027"/>
+            <a:ext cx="2368193" cy="246580"/>
+          </a:xfrm>
+          <a:prstGeom prst="rect">
+            <a:avLst/>
+          </a:prstGeom>
+          <a:solidFill>
+            <a:schemeClr val="bg1"/>
+          </a:solidFill>
+          <a:ln>
+            <a:noFill/>
+          </a:ln>
+        </p:spPr>
+        <p:style>
+          <a:lnRef idx="2">
+            <a:schemeClr val="accent1">
+              <a:shade val="15000"/>
+            </a:schemeClr>
+          </a:lnRef>
+          <a:fillRef idx="1">
+            <a:schemeClr val="accent1"/>
+          </a:fillRef>
+          <a:effectRef idx="0">
+            <a:schemeClr val="accent1"/>
+          </a:effectRef>
+          <a:fontRef idx="minor">
+            <a:schemeClr val="lt1"/>
+          </a:fontRef>
+        </p:style>
+        <p:txBody>
+          <a:bodyPr rtlCol="0" anchor="ctr"/>
+          <a:lstStyle/>
+          <a:p>
+            <a:pPr algn="ctr"/>
+            <a:endParaRPr lang="en-US"/>
+          </a:p>
+        </p:txBody>
+      </p:sp>
+      <p:sp>
+        <p:nvSpPr>
+          <p:cNvPr id="22" name="Rectangle 21">
+            <a:extLst>
+              <a:ext uri="{FF2B5EF4-FFF2-40B4-BE49-F238E27FC236}">
+                <a16:creationId xmlns:a16="http://schemas.microsoft.com/office/drawing/2014/main" id="{06094279-821E-A159-5896-19F9FE5DD17C}"/>
+              </a:ext>
+            </a:extLst>
+          </p:cNvPr>
+          <p:cNvSpPr/>
+          <p:nvPr/>
+        </p:nvSpPr>
+        <p:spPr>
+          <a:xfrm>
+            <a:off x="6358112" y="4758921"/>
+            <a:ext cx="2368193" cy="246580"/>
+          </a:xfrm>
+          <a:prstGeom prst="rect">
+            <a:avLst/>
+          </a:prstGeom>
+          <a:solidFill>
+            <a:schemeClr val="bg1"/>
+          </a:solidFill>
+          <a:ln>
+            <a:noFill/>
+          </a:ln>
+        </p:spPr>
+        <p:style>
+          <a:lnRef idx="2">
+            <a:schemeClr val="accent1">
+              <a:shade val="15000"/>
+            </a:schemeClr>
+          </a:lnRef>
+          <a:fillRef idx="1">
+            <a:schemeClr val="accent1"/>
+          </a:fillRef>
+          <a:effectRef idx="0">
+            <a:schemeClr val="accent1"/>
+          </a:effectRef>
+          <a:fontRef idx="minor">
+            <a:schemeClr val="lt1"/>
+          </a:fontRef>
+        </p:style>
+        <p:txBody>
+          <a:bodyPr rtlCol="0" anchor="ctr"/>
+          <a:lstStyle/>
+          <a:p>
+            <a:pPr algn="ctr"/>
+            <a:endParaRPr lang="en-US"/>
+          </a:p>
+        </p:txBody>
+      </p:sp>
     </p:spTree>
     <p:extLst>
       <p:ext uri="{BB962C8B-B14F-4D97-AF65-F5344CB8AC3E}">
         <p14:creationId xmlns:p14="http://schemas.microsoft.com/office/powerpoint/2010/main" val="2626682513"/>
+      </p:ext>
+    </p:extLst>
+  </p:cSld>
+  <p:clrMapOvr>
+    <a:masterClrMapping/>
+  </p:clrMapOvr>
+</p:sld>
+</file>
+
+<file path=ppt/slides/slide16.xml><?xml version="1.0" encoding="utf-8"?>
+<p:sld xmlns:a="http://schemas.openxmlformats.org/drawingml/2006/main" xmlns:r="http://schemas.openxmlformats.org/officeDocument/2006/relationships" xmlns:p="http://schemas.openxmlformats.org/presentationml/2006/main" show="0">
+  <p:cSld>
+    <p:spTree>
+      <p:nvGrpSpPr>
+        <p:cNvPr id="1" name="">
+          <a:extLst>
+            <a:ext uri="{FF2B5EF4-FFF2-40B4-BE49-F238E27FC236}">
+              <a16:creationId xmlns:a16="http://schemas.microsoft.com/office/drawing/2014/main" id="{D68E936B-FC7F-86FE-973E-714C38138EAB}"/>
+            </a:ext>
+          </a:extLst>
+        </p:cNvPr>
+        <p:cNvGrpSpPr/>
+        <p:nvPr/>
+      </p:nvGrpSpPr>
+      <p:grpSpPr>
+        <a:xfrm>
+          <a:off x="0" y="0"/>
+          <a:ext cx="0" cy="0"/>
+          <a:chOff x="0" y="0"/>
+          <a:chExt cx="0" cy="0"/>
+        </a:xfrm>
+      </p:grpSpPr>
+      <p:sp>
+        <p:nvSpPr>
+          <p:cNvPr id="2" name="Title 1">
+            <a:extLst>
+              <a:ext uri="{FF2B5EF4-FFF2-40B4-BE49-F238E27FC236}">
+                <a16:creationId xmlns:a16="http://schemas.microsoft.com/office/drawing/2014/main" id="{1C6E7E01-61D1-836A-C7C6-1F781C34588F}"/>
+              </a:ext>
+            </a:extLst>
+          </p:cNvPr>
+          <p:cNvSpPr>
+            <a:spLocks noGrp="1"/>
+          </p:cNvSpPr>
+          <p:nvPr>
+            <p:ph type="title"/>
+          </p:nvPr>
+        </p:nvSpPr>
+        <p:spPr>
+          <a:xfrm>
+            <a:off x="338666" y="183025"/>
+            <a:ext cx="8421512" cy="769441"/>
+          </a:xfrm>
+        </p:spPr>
+        <p:txBody>
+          <a:bodyPr/>
+          <a:lstStyle/>
+          <a:p>
+            <a:r>
+              <a:rPr lang="en-US" sz="4400" dirty="0"/>
+              <a:t>Example Data Analysis</a:t>
+            </a:r>
+          </a:p>
+        </p:txBody>
+      </p:sp>
+      <p:sp>
+        <p:nvSpPr>
+          <p:cNvPr id="6" name="Content Placeholder 5">
+            <a:extLst>
+              <a:ext uri="{FF2B5EF4-FFF2-40B4-BE49-F238E27FC236}">
+                <a16:creationId xmlns:a16="http://schemas.microsoft.com/office/drawing/2014/main" id="{EAA69B6A-D40E-BC0A-AFEC-489C662A38F9}"/>
+              </a:ext>
+            </a:extLst>
+          </p:cNvPr>
+          <p:cNvSpPr>
+            <a:spLocks noGrp="1"/>
+          </p:cNvSpPr>
+          <p:nvPr>
+            <p:ph idx="1"/>
+          </p:nvPr>
+        </p:nvSpPr>
+        <p:spPr>
+          <a:xfrm>
+            <a:off x="372533" y="952466"/>
+            <a:ext cx="8387645" cy="5595089"/>
+          </a:xfrm>
+        </p:spPr>
+        <p:txBody>
+          <a:bodyPr/>
+          <a:lstStyle/>
+          <a:p>
+            <a:pPr marL="0" indent="0">
+              <a:buNone/>
+            </a:pPr>
+            <a:r>
+              <a:rPr lang="en-US" dirty="0"/>
+              <a:t>Make sure that you use the significant digits of for the volumes in the flasks and pipets shown on p 97: 10.00 mL, 25.00 mL, 50.00 mL</a:t>
+            </a:r>
+          </a:p>
+          <a:p>
+            <a:pPr marL="457200" indent="-457200">
+              <a:buFont typeface="+mj-lt"/>
+              <a:buAutoNum type="arabicPeriod"/>
+            </a:pPr>
+            <a:endParaRPr lang="en-US" dirty="0"/>
+          </a:p>
+        </p:txBody>
+      </p:sp>
+      <p:pic>
+        <p:nvPicPr>
+          <p:cNvPr id="7" name="Picture 6">
+            <a:extLst>
+              <a:ext uri="{FF2B5EF4-FFF2-40B4-BE49-F238E27FC236}">
+                <a16:creationId xmlns:a16="http://schemas.microsoft.com/office/drawing/2014/main" id="{50657406-3CFF-D350-6839-8B3B575D7C32}"/>
+              </a:ext>
+            </a:extLst>
+          </p:cNvPr>
+          <p:cNvPicPr>
+            <a:picLocks noChangeAspect="1"/>
+          </p:cNvPicPr>
+          <p:nvPr/>
+        </p:nvPicPr>
+        <p:blipFill>
+          <a:blip r:embed="rId2"/>
+          <a:stretch>
+            <a:fillRect/>
+          </a:stretch>
+        </p:blipFill>
+        <p:spPr>
+          <a:xfrm>
+            <a:off x="691405" y="2531975"/>
+            <a:ext cx="7506748" cy="3829584"/>
+          </a:xfrm>
+          <a:prstGeom prst="rect">
+            <a:avLst/>
+          </a:prstGeom>
+        </p:spPr>
+      </p:pic>
+    </p:spTree>
+    <p:extLst>
+      <p:ext uri="{BB962C8B-B14F-4D97-AF65-F5344CB8AC3E}">
+        <p14:creationId xmlns:p14="http://schemas.microsoft.com/office/powerpoint/2010/main" val="351127700"/>
+      </p:ext>
+    </p:extLst>
+  </p:cSld>
+  <p:clrMapOvr>
+    <a:masterClrMapping/>
+  </p:clrMapOvr>
+</p:sld>
+</file>
+
+<file path=ppt/slides/slide17.xml><?xml version="1.0" encoding="utf-8"?>
+<p:sld xmlns:a="http://schemas.openxmlformats.org/drawingml/2006/main" xmlns:r="http://schemas.openxmlformats.org/officeDocument/2006/relationships" xmlns:p="http://schemas.openxmlformats.org/presentationml/2006/main" show="0">
+  <p:cSld>
+    <p:spTree>
+      <p:nvGrpSpPr>
+        <p:cNvPr id="1" name="">
+          <a:extLst>
+            <a:ext uri="{FF2B5EF4-FFF2-40B4-BE49-F238E27FC236}">
+              <a16:creationId xmlns:a16="http://schemas.microsoft.com/office/drawing/2014/main" id="{0D6444BB-8126-0D6B-B601-8B26899A0026}"/>
+            </a:ext>
+          </a:extLst>
+        </p:cNvPr>
+        <p:cNvGrpSpPr/>
+        <p:nvPr/>
+      </p:nvGrpSpPr>
+      <p:grpSpPr>
+        <a:xfrm>
+          <a:off x="0" y="0"/>
+          <a:ext cx="0" cy="0"/>
+          <a:chOff x="0" y="0"/>
+          <a:chExt cx="0" cy="0"/>
+        </a:xfrm>
+      </p:grpSpPr>
+      <p:sp>
+        <p:nvSpPr>
+          <p:cNvPr id="2" name="Title 1">
+            <a:extLst>
+              <a:ext uri="{FF2B5EF4-FFF2-40B4-BE49-F238E27FC236}">
+                <a16:creationId xmlns:a16="http://schemas.microsoft.com/office/drawing/2014/main" id="{2636F90B-149F-25CA-A506-3E338503D220}"/>
+              </a:ext>
+            </a:extLst>
+          </p:cNvPr>
+          <p:cNvSpPr>
+            <a:spLocks noGrp="1"/>
+          </p:cNvSpPr>
+          <p:nvPr>
+            <p:ph type="title"/>
+          </p:nvPr>
+        </p:nvSpPr>
+        <p:spPr>
+          <a:xfrm>
+            <a:off x="338666" y="183025"/>
+            <a:ext cx="8421512" cy="769441"/>
+          </a:xfrm>
+        </p:spPr>
+        <p:txBody>
+          <a:bodyPr/>
+          <a:lstStyle/>
+          <a:p>
+            <a:r>
+              <a:rPr lang="en-US" sz="4400" dirty="0"/>
+              <a:t>Example Data Analysis</a:t>
+            </a:r>
+          </a:p>
+        </p:txBody>
+      </p:sp>
+      <p:pic>
+        <p:nvPicPr>
+          <p:cNvPr id="4" name="Content Placeholder 3">
+            <a:extLst>
+              <a:ext uri="{FF2B5EF4-FFF2-40B4-BE49-F238E27FC236}">
+                <a16:creationId xmlns:a16="http://schemas.microsoft.com/office/drawing/2014/main" id="{AA7D202D-A38C-2FBF-6BA1-44C56DB9F522}"/>
+              </a:ext>
+            </a:extLst>
+          </p:cNvPr>
+          <p:cNvPicPr>
+            <a:picLocks noGrp="1" noChangeAspect="1"/>
+          </p:cNvPicPr>
+          <p:nvPr>
+            <p:ph idx="1"/>
+          </p:nvPr>
+        </p:nvPicPr>
+        <p:blipFill>
+          <a:blip r:embed="rId2"/>
+          <a:stretch>
+            <a:fillRect/>
+          </a:stretch>
+        </p:blipFill>
+        <p:spPr bwMode="auto">
+          <a:xfrm>
+            <a:off x="580121" y="1284109"/>
+            <a:ext cx="7983758" cy="4785010"/>
+          </a:xfrm>
+          <a:prstGeom prst="rect">
+            <a:avLst/>
+          </a:prstGeom>
+          <a:noFill/>
+          <a:ln w="9525">
+            <a:noFill/>
+            <a:miter lim="800000"/>
+            <a:headEnd/>
+            <a:tailEnd/>
+          </a:ln>
+          <a:effectLst/>
+        </p:spPr>
+      </p:pic>
+    </p:spTree>
+    <p:extLst>
+      <p:ext uri="{BB962C8B-B14F-4D97-AF65-F5344CB8AC3E}">
+        <p14:creationId xmlns:p14="http://schemas.microsoft.com/office/powerpoint/2010/main" val="1363183089"/>
+      </p:ext>
+    </p:extLst>
+  </p:cSld>
+  <p:clrMapOvr>
+    <a:masterClrMapping/>
+  </p:clrMapOvr>
+</p:sld>
+</file>
+
+<file path=ppt/slides/slide18.xml><?xml version="1.0" encoding="utf-8"?>
+<p:sld xmlns:a="http://schemas.openxmlformats.org/drawingml/2006/main" xmlns:r="http://schemas.openxmlformats.org/officeDocument/2006/relationships" xmlns:p="http://schemas.openxmlformats.org/presentationml/2006/main" show="0">
+  <p:cSld>
+    <p:spTree>
+      <p:nvGrpSpPr>
+        <p:cNvPr id="1" name="">
+          <a:extLst>
+            <a:ext uri="{FF2B5EF4-FFF2-40B4-BE49-F238E27FC236}">
+              <a16:creationId xmlns:a16="http://schemas.microsoft.com/office/drawing/2014/main" id="{4ECD0646-8121-0EDF-4C58-6052A9524020}"/>
+            </a:ext>
+          </a:extLst>
+        </p:cNvPr>
+        <p:cNvGrpSpPr/>
+        <p:nvPr/>
+      </p:nvGrpSpPr>
+      <p:grpSpPr>
+        <a:xfrm>
+          <a:off x="0" y="0"/>
+          <a:ext cx="0" cy="0"/>
+          <a:chOff x="0" y="0"/>
+          <a:chExt cx="0" cy="0"/>
+        </a:xfrm>
+      </p:grpSpPr>
+      <p:sp>
+        <p:nvSpPr>
+          <p:cNvPr id="2" name="Title 1">
+            <a:extLst>
+              <a:ext uri="{FF2B5EF4-FFF2-40B4-BE49-F238E27FC236}">
+                <a16:creationId xmlns:a16="http://schemas.microsoft.com/office/drawing/2014/main" id="{61E5FCA0-8A16-80A2-BC2D-6BB1C7AE93C7}"/>
+              </a:ext>
+            </a:extLst>
+          </p:cNvPr>
+          <p:cNvSpPr>
+            <a:spLocks noGrp="1"/>
+          </p:cNvSpPr>
+          <p:nvPr>
+            <p:ph type="title"/>
+          </p:nvPr>
+        </p:nvSpPr>
+        <p:spPr>
+          <a:xfrm>
+            <a:off x="338666" y="183025"/>
+            <a:ext cx="8421512" cy="769441"/>
+          </a:xfrm>
+        </p:spPr>
+        <p:txBody>
+          <a:bodyPr/>
+          <a:lstStyle/>
+          <a:p>
+            <a:r>
+              <a:rPr lang="en-US" sz="4400" dirty="0"/>
+              <a:t>Example Data Analysis</a:t>
+            </a:r>
+          </a:p>
+        </p:txBody>
+      </p:sp>
+      <p:sp>
+        <p:nvSpPr>
+          <p:cNvPr id="5" name="Content Placeholder 4">
+            <a:extLst>
+              <a:ext uri="{FF2B5EF4-FFF2-40B4-BE49-F238E27FC236}">
+                <a16:creationId xmlns:a16="http://schemas.microsoft.com/office/drawing/2014/main" id="{AA793AF9-77A6-D5FE-40E8-F4EBFD869662}"/>
+              </a:ext>
+            </a:extLst>
+          </p:cNvPr>
+          <p:cNvSpPr>
+            <a:spLocks noGrp="1"/>
+          </p:cNvSpPr>
+          <p:nvPr>
+            <p:ph idx="1"/>
+          </p:nvPr>
+        </p:nvSpPr>
+        <p:spPr/>
+        <p:txBody>
+          <a:bodyPr/>
+          <a:lstStyle/>
+          <a:p>
+            <a:endParaRPr lang="en-US"/>
+          </a:p>
+        </p:txBody>
+      </p:sp>
+      <p:pic>
+        <p:nvPicPr>
+          <p:cNvPr id="9" name="Picture 8">
+            <a:extLst>
+              <a:ext uri="{FF2B5EF4-FFF2-40B4-BE49-F238E27FC236}">
+                <a16:creationId xmlns:a16="http://schemas.microsoft.com/office/drawing/2014/main" id="{7050B400-586F-A68B-DCF1-221013D00BB7}"/>
+              </a:ext>
+            </a:extLst>
+          </p:cNvPr>
+          <p:cNvPicPr>
+            <a:picLocks noChangeAspect="1"/>
+          </p:cNvPicPr>
+          <p:nvPr/>
+        </p:nvPicPr>
+        <p:blipFill>
+          <a:blip r:embed="rId2"/>
+          <a:stretch>
+            <a:fillRect/>
+          </a:stretch>
+        </p:blipFill>
+        <p:spPr>
+          <a:xfrm>
+            <a:off x="940705" y="1155463"/>
+            <a:ext cx="7251299" cy="5568717"/>
+          </a:xfrm>
+          <a:prstGeom prst="rect">
+            <a:avLst/>
+          </a:prstGeom>
+        </p:spPr>
+      </p:pic>
+    </p:spTree>
+    <p:extLst>
+      <p:ext uri="{BB962C8B-B14F-4D97-AF65-F5344CB8AC3E}">
+        <p14:creationId xmlns:p14="http://schemas.microsoft.com/office/powerpoint/2010/main" val="3832066166"/>
+      </p:ext>
+    </p:extLst>
+  </p:cSld>
+  <p:clrMapOvr>
+    <a:masterClrMapping/>
+  </p:clrMapOvr>
+</p:sld>
+</file>
+
+<file path=ppt/slides/slide19.xml><?xml version="1.0" encoding="utf-8"?>
+<p:sld xmlns:a="http://schemas.openxmlformats.org/drawingml/2006/main" xmlns:r="http://schemas.openxmlformats.org/officeDocument/2006/relationships" xmlns:p="http://schemas.openxmlformats.org/presentationml/2006/main" show="0">
+  <p:cSld>
+    <p:spTree>
+      <p:nvGrpSpPr>
+        <p:cNvPr id="1" name="">
+          <a:extLst>
+            <a:ext uri="{FF2B5EF4-FFF2-40B4-BE49-F238E27FC236}">
+              <a16:creationId xmlns:a16="http://schemas.microsoft.com/office/drawing/2014/main" id="{8D6D29F5-B61D-A060-957C-279BA624942E}"/>
+            </a:ext>
+          </a:extLst>
+        </p:cNvPr>
+        <p:cNvGrpSpPr/>
+        <p:nvPr/>
+      </p:nvGrpSpPr>
+      <p:grpSpPr>
+        <a:xfrm>
+          <a:off x="0" y="0"/>
+          <a:ext cx="0" cy="0"/>
+          <a:chOff x="0" y="0"/>
+          <a:chExt cx="0" cy="0"/>
+        </a:xfrm>
+      </p:grpSpPr>
+      <p:sp>
+        <p:nvSpPr>
+          <p:cNvPr id="2" name="Title 1">
+            <a:extLst>
+              <a:ext uri="{FF2B5EF4-FFF2-40B4-BE49-F238E27FC236}">
+                <a16:creationId xmlns:a16="http://schemas.microsoft.com/office/drawing/2014/main" id="{C24E5530-9FBD-6A02-947C-36D5A2C825EF}"/>
+              </a:ext>
+            </a:extLst>
+          </p:cNvPr>
+          <p:cNvSpPr>
+            <a:spLocks noGrp="1"/>
+          </p:cNvSpPr>
+          <p:nvPr>
+            <p:ph type="title"/>
+          </p:nvPr>
+        </p:nvSpPr>
+        <p:spPr>
+          <a:xfrm>
+            <a:off x="338666" y="183025"/>
+            <a:ext cx="8421512" cy="769441"/>
+          </a:xfrm>
+        </p:spPr>
+        <p:txBody>
+          <a:bodyPr/>
+          <a:lstStyle/>
+          <a:p>
+            <a:r>
+              <a:rPr lang="en-US" sz="4400" dirty="0"/>
+              <a:t>Example Data Analysis</a:t>
+            </a:r>
+          </a:p>
+        </p:txBody>
+      </p:sp>
+      <p:sp>
+        <p:nvSpPr>
+          <p:cNvPr id="5" name="Content Placeholder 4">
+            <a:extLst>
+              <a:ext uri="{FF2B5EF4-FFF2-40B4-BE49-F238E27FC236}">
+                <a16:creationId xmlns:a16="http://schemas.microsoft.com/office/drawing/2014/main" id="{585C186E-50F2-BCBB-C489-966DFE54F37E}"/>
+              </a:ext>
+            </a:extLst>
+          </p:cNvPr>
+          <p:cNvSpPr>
+            <a:spLocks noGrp="1"/>
+          </p:cNvSpPr>
+          <p:nvPr>
+            <p:ph idx="1"/>
+          </p:nvPr>
+        </p:nvSpPr>
+        <p:spPr/>
+        <p:txBody>
+          <a:bodyPr/>
+          <a:lstStyle/>
+          <a:p>
+            <a:endParaRPr lang="en-US"/>
+          </a:p>
+        </p:txBody>
+      </p:sp>
+      <p:pic>
+        <p:nvPicPr>
+          <p:cNvPr id="4" name="Picture 3">
+            <a:extLst>
+              <a:ext uri="{FF2B5EF4-FFF2-40B4-BE49-F238E27FC236}">
+                <a16:creationId xmlns:a16="http://schemas.microsoft.com/office/drawing/2014/main" id="{CA442B48-FFCA-AD29-F02D-4D8032258972}"/>
+              </a:ext>
+            </a:extLst>
+          </p:cNvPr>
+          <p:cNvPicPr>
+            <a:picLocks noChangeAspect="1"/>
+          </p:cNvPicPr>
+          <p:nvPr/>
+        </p:nvPicPr>
+        <p:blipFill>
+          <a:blip r:embed="rId2"/>
+          <a:stretch>
+            <a:fillRect/>
+          </a:stretch>
+        </p:blipFill>
+        <p:spPr>
+          <a:xfrm>
+            <a:off x="806823" y="1104861"/>
+            <a:ext cx="7810052" cy="5570114"/>
+          </a:xfrm>
+          <a:prstGeom prst="rect">
+            <a:avLst/>
+          </a:prstGeom>
+        </p:spPr>
+      </p:pic>
+    </p:spTree>
+    <p:extLst>
+      <p:ext uri="{BB962C8B-B14F-4D97-AF65-F5344CB8AC3E}">
+        <p14:creationId xmlns:p14="http://schemas.microsoft.com/office/powerpoint/2010/main" val="3155784204"/>
       </p:ext>
     </p:extLst>
   </p:cSld>
@@ -11466,6 +14264,254 @@
     <p:extLst>
       <p:ext uri="{BB962C8B-B14F-4D97-AF65-F5344CB8AC3E}">
         <p14:creationId xmlns:p14="http://schemas.microsoft.com/office/powerpoint/2010/main" val="114929422"/>
+      </p:ext>
+    </p:extLst>
+  </p:cSld>
+  <p:clrMapOvr>
+    <a:masterClrMapping/>
+  </p:clrMapOvr>
+</p:sld>
+</file>
+
+<file path=ppt/slides/slide20.xml><?xml version="1.0" encoding="utf-8"?>
+<p:sld xmlns:a="http://schemas.openxmlformats.org/drawingml/2006/main" xmlns:r="http://schemas.openxmlformats.org/officeDocument/2006/relationships" xmlns:p="http://schemas.openxmlformats.org/presentationml/2006/main" show="0">
+  <p:cSld>
+    <p:spTree>
+      <p:nvGrpSpPr>
+        <p:cNvPr id="1" name="">
+          <a:extLst>
+            <a:ext uri="{FF2B5EF4-FFF2-40B4-BE49-F238E27FC236}">
+              <a16:creationId xmlns:a16="http://schemas.microsoft.com/office/drawing/2014/main" id="{F5ED0DEE-55A3-82C0-1B01-5C0D06611721}"/>
+            </a:ext>
+          </a:extLst>
+        </p:cNvPr>
+        <p:cNvGrpSpPr/>
+        <p:nvPr/>
+      </p:nvGrpSpPr>
+      <p:grpSpPr>
+        <a:xfrm>
+          <a:off x="0" y="0"/>
+          <a:ext cx="0" cy="0"/>
+          <a:chOff x="0" y="0"/>
+          <a:chExt cx="0" cy="0"/>
+        </a:xfrm>
+      </p:grpSpPr>
+      <p:sp>
+        <p:nvSpPr>
+          <p:cNvPr id="2" name="Title 1">
+            <a:extLst>
+              <a:ext uri="{FF2B5EF4-FFF2-40B4-BE49-F238E27FC236}">
+                <a16:creationId xmlns:a16="http://schemas.microsoft.com/office/drawing/2014/main" id="{C0D135AD-1A79-9684-4897-2A78084A215D}"/>
+              </a:ext>
+            </a:extLst>
+          </p:cNvPr>
+          <p:cNvSpPr>
+            <a:spLocks noGrp="1"/>
+          </p:cNvSpPr>
+          <p:nvPr>
+            <p:ph type="title"/>
+          </p:nvPr>
+        </p:nvSpPr>
+        <p:spPr>
+          <a:xfrm>
+            <a:off x="338666" y="183025"/>
+            <a:ext cx="8421512" cy="769441"/>
+          </a:xfrm>
+        </p:spPr>
+        <p:txBody>
+          <a:bodyPr/>
+          <a:lstStyle/>
+          <a:p>
+            <a:r>
+              <a:rPr lang="en-US" sz="4400" dirty="0"/>
+              <a:t>Example Data Analysis</a:t>
+            </a:r>
+          </a:p>
+        </p:txBody>
+      </p:sp>
+      <p:sp>
+        <p:nvSpPr>
+          <p:cNvPr id="5" name="Content Placeholder 4">
+            <a:extLst>
+              <a:ext uri="{FF2B5EF4-FFF2-40B4-BE49-F238E27FC236}">
+                <a16:creationId xmlns:a16="http://schemas.microsoft.com/office/drawing/2014/main" id="{8633D99E-CE64-0B68-04FA-9465CA527F4B}"/>
+              </a:ext>
+            </a:extLst>
+          </p:cNvPr>
+          <p:cNvSpPr>
+            <a:spLocks noGrp="1"/>
+          </p:cNvSpPr>
+          <p:nvPr>
+            <p:ph idx="1"/>
+          </p:nvPr>
+        </p:nvSpPr>
+        <p:spPr/>
+        <p:txBody>
+          <a:bodyPr/>
+          <a:lstStyle/>
+          <a:p>
+            <a:endParaRPr lang="en-US"/>
+          </a:p>
+        </p:txBody>
+      </p:sp>
+      <p:pic>
+        <p:nvPicPr>
+          <p:cNvPr id="6" name="Picture 5">
+            <a:extLst>
+              <a:ext uri="{FF2B5EF4-FFF2-40B4-BE49-F238E27FC236}">
+                <a16:creationId xmlns:a16="http://schemas.microsoft.com/office/drawing/2014/main" id="{0B2F9108-9872-6499-3CFB-CE325091B05E}"/>
+              </a:ext>
+            </a:extLst>
+          </p:cNvPr>
+          <p:cNvPicPr>
+            <a:picLocks noChangeAspect="1"/>
+          </p:cNvPicPr>
+          <p:nvPr/>
+        </p:nvPicPr>
+        <p:blipFill>
+          <a:blip r:embed="rId2"/>
+          <a:stretch>
+            <a:fillRect/>
+          </a:stretch>
+        </p:blipFill>
+        <p:spPr>
+          <a:xfrm>
+            <a:off x="1011218" y="1194394"/>
+            <a:ext cx="6883574" cy="5353161"/>
+          </a:xfrm>
+          <a:prstGeom prst="rect">
+            <a:avLst/>
+          </a:prstGeom>
+        </p:spPr>
+      </p:pic>
+    </p:spTree>
+    <p:extLst>
+      <p:ext uri="{BB962C8B-B14F-4D97-AF65-F5344CB8AC3E}">
+        <p14:creationId xmlns:p14="http://schemas.microsoft.com/office/powerpoint/2010/main" val="3307270266"/>
+      </p:ext>
+    </p:extLst>
+  </p:cSld>
+  <p:clrMapOvr>
+    <a:masterClrMapping/>
+  </p:clrMapOvr>
+</p:sld>
+</file>
+
+<file path=ppt/slides/slide21.xml><?xml version="1.0" encoding="utf-8"?>
+<p:sld xmlns:a="http://schemas.openxmlformats.org/drawingml/2006/main" xmlns:r="http://schemas.openxmlformats.org/officeDocument/2006/relationships" xmlns:p="http://schemas.openxmlformats.org/presentationml/2006/main" show="0">
+  <p:cSld>
+    <p:spTree>
+      <p:nvGrpSpPr>
+        <p:cNvPr id="1" name="">
+          <a:extLst>
+            <a:ext uri="{FF2B5EF4-FFF2-40B4-BE49-F238E27FC236}">
+              <a16:creationId xmlns:a16="http://schemas.microsoft.com/office/drawing/2014/main" id="{0B8C3CDD-A8AB-3E67-8090-60DB2C17D78C}"/>
+            </a:ext>
+          </a:extLst>
+        </p:cNvPr>
+        <p:cNvGrpSpPr/>
+        <p:nvPr/>
+      </p:nvGrpSpPr>
+      <p:grpSpPr>
+        <a:xfrm>
+          <a:off x="0" y="0"/>
+          <a:ext cx="0" cy="0"/>
+          <a:chOff x="0" y="0"/>
+          <a:chExt cx="0" cy="0"/>
+        </a:xfrm>
+      </p:grpSpPr>
+      <p:sp>
+        <p:nvSpPr>
+          <p:cNvPr id="2" name="Title 1">
+            <a:extLst>
+              <a:ext uri="{FF2B5EF4-FFF2-40B4-BE49-F238E27FC236}">
+                <a16:creationId xmlns:a16="http://schemas.microsoft.com/office/drawing/2014/main" id="{99C99993-C21A-40EA-4480-156EAC2C3E3E}"/>
+              </a:ext>
+            </a:extLst>
+          </p:cNvPr>
+          <p:cNvSpPr>
+            <a:spLocks noGrp="1"/>
+          </p:cNvSpPr>
+          <p:nvPr>
+            <p:ph type="title"/>
+          </p:nvPr>
+        </p:nvSpPr>
+        <p:spPr>
+          <a:xfrm>
+            <a:off x="338666" y="183025"/>
+            <a:ext cx="8421512" cy="769441"/>
+          </a:xfrm>
+        </p:spPr>
+        <p:txBody>
+          <a:bodyPr/>
+          <a:lstStyle/>
+          <a:p>
+            <a:r>
+              <a:rPr lang="en-US" sz="4400" dirty="0"/>
+              <a:t>Example Data Analysis</a:t>
+            </a:r>
+          </a:p>
+        </p:txBody>
+      </p:sp>
+      <p:sp>
+        <p:nvSpPr>
+          <p:cNvPr id="5" name="Content Placeholder 4">
+            <a:extLst>
+              <a:ext uri="{FF2B5EF4-FFF2-40B4-BE49-F238E27FC236}">
+                <a16:creationId xmlns:a16="http://schemas.microsoft.com/office/drawing/2014/main" id="{4853E697-57D1-8864-6DAF-43C0A62CD960}"/>
+              </a:ext>
+            </a:extLst>
+          </p:cNvPr>
+          <p:cNvSpPr>
+            <a:spLocks noGrp="1"/>
+          </p:cNvSpPr>
+          <p:nvPr>
+            <p:ph idx="1"/>
+          </p:nvPr>
+        </p:nvSpPr>
+        <p:spPr/>
+        <p:txBody>
+          <a:bodyPr/>
+          <a:lstStyle/>
+          <a:p>
+            <a:endParaRPr lang="en-US"/>
+          </a:p>
+        </p:txBody>
+      </p:sp>
+      <p:pic>
+        <p:nvPicPr>
+          <p:cNvPr id="4" name="Picture 3">
+            <a:extLst>
+              <a:ext uri="{FF2B5EF4-FFF2-40B4-BE49-F238E27FC236}">
+                <a16:creationId xmlns:a16="http://schemas.microsoft.com/office/drawing/2014/main" id="{5F7F1D84-71E0-697C-971F-48FF1DC9214D}"/>
+              </a:ext>
+            </a:extLst>
+          </p:cNvPr>
+          <p:cNvPicPr>
+            <a:picLocks noChangeAspect="1"/>
+          </p:cNvPicPr>
+          <p:nvPr/>
+        </p:nvPicPr>
+        <p:blipFill>
+          <a:blip r:embed="rId2"/>
+          <a:stretch>
+            <a:fillRect/>
+          </a:stretch>
+        </p:blipFill>
+        <p:spPr>
+          <a:xfrm>
+            <a:off x="228600" y="1172534"/>
+            <a:ext cx="8648700" cy="5163078"/>
+          </a:xfrm>
+          <a:prstGeom prst="rect">
+            <a:avLst/>
+          </a:prstGeom>
+        </p:spPr>
+      </p:pic>
+    </p:spTree>
+    <p:extLst>
+      <p:ext uri="{BB962C8B-B14F-4D97-AF65-F5344CB8AC3E}">
+        <p14:creationId xmlns:p14="http://schemas.microsoft.com/office/powerpoint/2010/main" val="2402619723"/>
       </p:ext>
     </p:extLst>
   </p:cSld>
@@ -12888,16 +15934,7 @@
                           <a:rPr lang="en-US" sz="2000">
                             <a:latin typeface="Cambria Math" panose="02040503050406030204" pitchFamily="18" charset="0"/>
                           </a:rPr>
-                          <m:t>solutio</m:t>
-                        </m:r>
-                        <m:r>
-                          <m:rPr>
-                            <m:sty m:val="p"/>
-                          </m:rPr>
-                          <a:rPr lang="en-US" sz="2000" b="0" i="0" smtClean="0">
-                            <a:latin typeface="Cambria Math" panose="02040503050406030204" pitchFamily="18" charset="0"/>
-                          </a:rPr>
-                          <m:t>n</m:t>
+                          <m:t>solution</m:t>
                         </m:r>
                       </m:num>
                       <m:den>
